--- a/aws_sra_examples/solutions/common/common_register_delegated_administrator/documentation/sra-common-register-delegated-administrator.pptx
+++ b/aws_sra_examples/solutions/common/common_register_delegated_administrator/documentation/sra-common-register-delegated-administrator.pptx
@@ -197,7 +197,7 @@
           <a:p>
             <a:fld id="{FD8D84E3-00BA-4A46-8256-7E527D8B4480}" type="datetimeFigureOut">
               <a:rPr lang="en-US" smtClean="0"/>
-              <a:t>11/16/21</a:t>
+              <a:t>3/7/22</a:t>
             </a:fld>
             <a:endParaRPr lang="en-US"/>
           </a:p>
@@ -695,7 +695,7 @@
           <a:p>
             <a:fld id="{9FE185F7-9B28-9F45-9F43-9CB5A0B99390}" type="datetimeFigureOut">
               <a:rPr lang="en-US" smtClean="0"/>
-              <a:t>11/16/21</a:t>
+              <a:t>3/7/22</a:t>
             </a:fld>
             <a:endParaRPr lang="en-US"/>
           </a:p>
@@ -893,7 +893,7 @@
           <a:p>
             <a:fld id="{9FE185F7-9B28-9F45-9F43-9CB5A0B99390}" type="datetimeFigureOut">
               <a:rPr lang="en-US" smtClean="0"/>
-              <a:t>11/16/21</a:t>
+              <a:t>3/7/22</a:t>
             </a:fld>
             <a:endParaRPr lang="en-US"/>
           </a:p>
@@ -1101,7 +1101,7 @@
           <a:p>
             <a:fld id="{9FE185F7-9B28-9F45-9F43-9CB5A0B99390}" type="datetimeFigureOut">
               <a:rPr lang="en-US" smtClean="0"/>
-              <a:t>11/16/21</a:t>
+              <a:t>3/7/22</a:t>
             </a:fld>
             <a:endParaRPr lang="en-US"/>
           </a:p>
@@ -1299,7 +1299,7 @@
           <a:p>
             <a:fld id="{9FE185F7-9B28-9F45-9F43-9CB5A0B99390}" type="datetimeFigureOut">
               <a:rPr lang="en-US" smtClean="0"/>
-              <a:t>11/16/21</a:t>
+              <a:t>3/7/22</a:t>
             </a:fld>
             <a:endParaRPr lang="en-US"/>
           </a:p>
@@ -1574,7 +1574,7 @@
           <a:p>
             <a:fld id="{9FE185F7-9B28-9F45-9F43-9CB5A0B99390}" type="datetimeFigureOut">
               <a:rPr lang="en-US" smtClean="0"/>
-              <a:t>11/16/21</a:t>
+              <a:t>3/7/22</a:t>
             </a:fld>
             <a:endParaRPr lang="en-US"/>
           </a:p>
@@ -1839,7 +1839,7 @@
           <a:p>
             <a:fld id="{9FE185F7-9B28-9F45-9F43-9CB5A0B99390}" type="datetimeFigureOut">
               <a:rPr lang="en-US" smtClean="0"/>
-              <a:t>11/16/21</a:t>
+              <a:t>3/7/22</a:t>
             </a:fld>
             <a:endParaRPr lang="en-US"/>
           </a:p>
@@ -2251,7 +2251,7 @@
           <a:p>
             <a:fld id="{9FE185F7-9B28-9F45-9F43-9CB5A0B99390}" type="datetimeFigureOut">
               <a:rPr lang="en-US" smtClean="0"/>
-              <a:t>11/16/21</a:t>
+              <a:t>3/7/22</a:t>
             </a:fld>
             <a:endParaRPr lang="en-US"/>
           </a:p>
@@ -2392,7 +2392,7 @@
           <a:p>
             <a:fld id="{9FE185F7-9B28-9F45-9F43-9CB5A0B99390}" type="datetimeFigureOut">
               <a:rPr lang="en-US" smtClean="0"/>
-              <a:t>11/16/21</a:t>
+              <a:t>3/7/22</a:t>
             </a:fld>
             <a:endParaRPr lang="en-US"/>
           </a:p>
@@ -2505,7 +2505,7 @@
           <a:p>
             <a:fld id="{9FE185F7-9B28-9F45-9F43-9CB5A0B99390}" type="datetimeFigureOut">
               <a:rPr lang="en-US" smtClean="0"/>
-              <a:t>11/16/21</a:t>
+              <a:t>3/7/22</a:t>
             </a:fld>
             <a:endParaRPr lang="en-US"/>
           </a:p>
@@ -2816,7 +2816,7 @@
           <a:p>
             <a:fld id="{9FE185F7-9B28-9F45-9F43-9CB5A0B99390}" type="datetimeFigureOut">
               <a:rPr lang="en-US" smtClean="0"/>
-              <a:t>11/16/21</a:t>
+              <a:t>3/7/22</a:t>
             </a:fld>
             <a:endParaRPr lang="en-US"/>
           </a:p>
@@ -3104,7 +3104,7 @@
           <a:p>
             <a:fld id="{9FE185F7-9B28-9F45-9F43-9CB5A0B99390}" type="datetimeFigureOut">
               <a:rPr lang="en-US" smtClean="0"/>
-              <a:t>11/16/21</a:t>
+              <a:t>3/7/22</a:t>
             </a:fld>
             <a:endParaRPr lang="en-US"/>
           </a:p>
@@ -3345,7 +3345,7 @@
           <a:p>
             <a:fld id="{9FE185F7-9B28-9F45-9F43-9CB5A0B99390}" type="datetimeFigureOut">
               <a:rPr lang="en-US" smtClean="0"/>
-              <a:t>11/16/21</a:t>
+              <a:t>3/7/22</a:t>
             </a:fld>
             <a:endParaRPr lang="en-US"/>
           </a:p>
@@ -3776,8 +3776,8 @@
         </p:nvSpPr>
         <p:spPr>
           <a:xfrm>
-            <a:off x="2778409" y="105313"/>
-            <a:ext cx="6789906" cy="6664768"/>
+            <a:off x="3500846" y="77949"/>
+            <a:ext cx="4249783" cy="6274876"/>
           </a:xfrm>
           <a:prstGeom prst="rect">
             <a:avLst/>
@@ -3935,8 +3935,8 @@
         </p:nvSpPr>
         <p:spPr>
           <a:xfrm>
-            <a:off x="3625725" y="419968"/>
-            <a:ext cx="5195031" cy="3101516"/>
+            <a:off x="3625175" y="427173"/>
+            <a:ext cx="4003534" cy="3101225"/>
           </a:xfrm>
           <a:prstGeom prst="rect">
             <a:avLst/>
@@ -3976,7 +3976,7 @@
           <a:p>
             <a:pPr algn="ctr"/>
             <a:r>
-              <a:rPr lang="en-US" sz="1400" dirty="0">
+              <a:rPr lang="en-US" sz="1200" dirty="0">
                 <a:solidFill>
                   <a:schemeClr val="tx1"/>
                 </a:solidFill>
@@ -3986,19 +3986,6 @@
               <a:t>Organization Management Account</a:t>
             </a:r>
           </a:p>
-          <a:p>
-            <a:pPr algn="ctr"/>
-            <a:r>
-              <a:rPr lang="en-US" sz="1400" dirty="0">
-                <a:solidFill>
-                  <a:schemeClr val="tx1"/>
-                </a:solidFill>
-                <a:latin typeface="Arial" panose="020B0604020202020204" pitchFamily="34" charset="0"/>
-                <a:cs typeface="Arial" panose="020B0604020202020204" pitchFamily="34" charset="0"/>
-              </a:rPr>
-              <a:t>OU: management</a:t>
-            </a:r>
-          </a:p>
         </p:txBody>
       </p:sp>
       <p:pic>
@@ -4029,7 +4016,7 @@
         </p:blipFill>
         <p:spPr>
           <a:xfrm>
-            <a:off x="2778409" y="104358"/>
+            <a:off x="3500846" y="77949"/>
             <a:ext cx="330200" cy="330200"/>
           </a:xfrm>
           <a:prstGeom prst="rect">
@@ -4051,8 +4038,8 @@
         </p:nvSpPr>
         <p:spPr>
           <a:xfrm>
-            <a:off x="3745151" y="3648282"/>
-            <a:ext cx="4941650" cy="2996546"/>
+            <a:off x="3828102" y="3606900"/>
+            <a:ext cx="3639718" cy="2621889"/>
           </a:xfrm>
           <a:prstGeom prst="rect">
             <a:avLst/>
@@ -4092,27 +4079,27 @@
           <a:p>
             <a:pPr algn="ctr"/>
             <a:r>
-              <a:rPr lang="en-US" sz="1400" dirty="0">
+              <a:rPr lang="en-US" sz="1200" dirty="0">
                 <a:solidFill>
                   <a:schemeClr val="tx1"/>
                 </a:solidFill>
                 <a:latin typeface="Arial" panose="020B0604020202020204" pitchFamily="34" charset="0"/>
                 <a:cs typeface="Arial" panose="020B0604020202020204" pitchFamily="34" charset="0"/>
               </a:rPr>
-              <a:t>Delegated Administrator Account (Audit)</a:t>
+              <a:t>Delegated Administrator Account (e.g. Audit)</a:t>
             </a:r>
           </a:p>
           <a:p>
             <a:pPr algn="ctr"/>
             <a:r>
-              <a:rPr lang="en-US" sz="1400" dirty="0">
+              <a:rPr lang="en-US" sz="1200" dirty="0">
                 <a:solidFill>
                   <a:schemeClr val="tx1"/>
                 </a:solidFill>
                 <a:latin typeface="Arial" panose="020B0604020202020204" pitchFamily="34" charset="0"/>
                 <a:cs typeface="Arial" panose="020B0604020202020204" pitchFamily="34" charset="0"/>
               </a:rPr>
-              <a:t>OU: Core</a:t>
+              <a:t>OU: Security</a:t>
             </a:r>
           </a:p>
         </p:txBody>
@@ -4131,8 +4118,8 @@
         </p:nvSpPr>
         <p:spPr>
           <a:xfrm>
-            <a:off x="5420854" y="3022832"/>
-            <a:ext cx="1132876" cy="261610"/>
+            <a:off x="4918823" y="1985887"/>
+            <a:ext cx="1307240" cy="261610"/>
           </a:xfrm>
           <a:prstGeom prst="rect">
             <a:avLst/>
@@ -4227,63 +4214,27 @@
                 <a:latin typeface="Arial" panose="020B0604020202020204" pitchFamily="34" charset="0"/>
                 <a:cs typeface="Arial" panose="020B0604020202020204" pitchFamily="34" charset="0"/>
               </a:rPr>
-              <a:t>AWS Lambda</a:t>
-            </a:r>
-          </a:p>
-        </p:txBody>
-      </p:sp>
-      <p:pic>
-        <p:nvPicPr>
-          <p:cNvPr id="141" name="Graphic 1">
-            <a:extLst>
-              <a:ext uri="{FF2B5EF4-FFF2-40B4-BE49-F238E27FC236}">
-                <a16:creationId xmlns:a16="http://schemas.microsoft.com/office/drawing/2014/main" id="{D5F02E8F-2628-DD4D-8A36-AFD09623FB49}"/>
-              </a:ext>
-            </a:extLst>
-          </p:cNvPr>
-          <p:cNvPicPr>
-            <a:picLocks noChangeAspect="1"/>
-          </p:cNvPicPr>
+              <a:t>Lambda Function</a:t>
+            </a:r>
+          </a:p>
+        </p:txBody>
+      </p:sp>
+      <p:sp>
+        <p:nvSpPr>
+          <p:cNvPr id="142" name="TextBox 2">
+            <a:extLst>
+              <a:ext uri="{FF2B5EF4-FFF2-40B4-BE49-F238E27FC236}">
+                <a16:creationId xmlns:a16="http://schemas.microsoft.com/office/drawing/2014/main" id="{D113A073-4FA6-4F4D-BFAE-1FDACEBA1D05}"/>
+              </a:ext>
+            </a:extLst>
+          </p:cNvPr>
+          <p:cNvSpPr txBox="1"/>
           <p:nvPr/>
-        </p:nvPicPr>
-        <p:blipFill>
-          <a:blip r:embed="rId5">
-            <a:extLst>
-              <a:ext uri="{96DAC541-7B7A-43D3-8B79-37D633B846F1}">
-                <asvg:svgBlip xmlns:asvg="http://schemas.microsoft.com/office/drawing/2016/SVG/main" r:embed="rId6"/>
-              </a:ext>
-            </a:extLst>
-          </a:blip>
-          <a:stretch>
-            <a:fillRect/>
-          </a:stretch>
-        </p:blipFill>
+        </p:nvSpPr>
         <p:spPr>
           <a:xfrm>
-            <a:off x="5648592" y="1100530"/>
-            <a:ext cx="555156" cy="555156"/>
-          </a:xfrm>
-          <a:prstGeom prst="rect">
-            <a:avLst/>
-          </a:prstGeom>
-        </p:spPr>
-      </p:pic>
-      <p:sp>
-        <p:nvSpPr>
-          <p:cNvPr id="142" name="TextBox 2">
-            <a:extLst>
-              <a:ext uri="{FF2B5EF4-FFF2-40B4-BE49-F238E27FC236}">
-                <a16:creationId xmlns:a16="http://schemas.microsoft.com/office/drawing/2014/main" id="{D113A073-4FA6-4F4D-BFAE-1FDACEBA1D05}"/>
-              </a:ext>
-            </a:extLst>
-          </p:cNvPr>
-          <p:cNvSpPr txBox="1"/>
-          <p:nvPr/>
-        </p:nvSpPr>
-        <p:spPr>
-          <a:xfrm>
-            <a:off x="5144169" y="1655686"/>
-            <a:ext cx="1578705" cy="430887"/>
+            <a:off x="5032320" y="2934437"/>
+            <a:ext cx="1059578" cy="430887"/>
           </a:xfrm>
           <a:prstGeom prst="rect">
             <a:avLst/>
@@ -4378,17 +4329,131 @@
                 <a:latin typeface="Arial" panose="020B0604020202020204" pitchFamily="34" charset="0"/>
                 <a:cs typeface="Arial" panose="020B0604020202020204" pitchFamily="34" charset="0"/>
               </a:rPr>
-              <a:t>Lambda CloudWatch Log Group</a:t>
+              <a:t>CloudWatch Log Group</a:t>
+            </a:r>
+          </a:p>
+        </p:txBody>
+      </p:sp>
+      <p:sp>
+        <p:nvSpPr>
+          <p:cNvPr id="144" name="TextBox 143">
+            <a:extLst>
+              <a:ext uri="{FF2B5EF4-FFF2-40B4-BE49-F238E27FC236}">
+                <a16:creationId xmlns:a16="http://schemas.microsoft.com/office/drawing/2014/main" id="{11460688-CF57-0645-ADC6-FB4EF5AFD30A}"/>
+              </a:ext>
+            </a:extLst>
+          </p:cNvPr>
+          <p:cNvSpPr txBox="1"/>
+          <p:nvPr/>
+        </p:nvSpPr>
+        <p:spPr>
+          <a:xfrm>
+            <a:off x="4984319" y="1062392"/>
+            <a:ext cx="1103001" cy="261610"/>
+          </a:xfrm>
+          <a:prstGeom prst="rect">
+            <a:avLst/>
+          </a:prstGeom>
+          <a:noFill/>
+        </p:spPr>
+        <p:txBody>
+          <a:bodyPr wrap="square" rtlCol="0">
+            <a:spAutoFit/>
+          </a:bodyPr>
+          <a:lstStyle/>
+          <a:p>
+            <a:pPr algn="ctr"/>
+            <a:r>
+              <a:rPr lang="en-US" sz="1100" dirty="0">
+                <a:latin typeface="Arial" panose="020B0604020202020204" pitchFamily="34" charset="0"/>
+                <a:cs typeface="Arial" panose="020B0604020202020204" pitchFamily="34" charset="0"/>
+              </a:rPr>
+              <a:t>Lambda Role</a:t>
             </a:r>
           </a:p>
         </p:txBody>
       </p:sp>
       <p:pic>
         <p:nvPicPr>
-          <p:cNvPr id="143" name="Graphic 142">
-            <a:extLst>
-              <a:ext uri="{FF2B5EF4-FFF2-40B4-BE49-F238E27FC236}">
-                <a16:creationId xmlns:a16="http://schemas.microsoft.com/office/drawing/2014/main" id="{6CED07F6-5569-A94B-AE05-B599813B32A6}"/>
+          <p:cNvPr id="145" name="Graphic 144">
+            <a:extLst>
+              <a:ext uri="{FF2B5EF4-FFF2-40B4-BE49-F238E27FC236}">
+                <a16:creationId xmlns:a16="http://schemas.microsoft.com/office/drawing/2014/main" id="{C2D32431-760D-C84E-8B09-2C214FF2B238}"/>
+              </a:ext>
+            </a:extLst>
+          </p:cNvPr>
+          <p:cNvPicPr>
+            <a:picLocks noChangeAspect="1"/>
+          </p:cNvPicPr>
+          <p:nvPr/>
+        </p:nvPicPr>
+        <p:blipFill>
+          <a:blip r:embed="rId5">
+            <a:extLst>
+              <a:ext uri="{96DAC541-7B7A-43D3-8B79-37D633B846F1}">
+                <asvg:svgBlip xmlns:asvg="http://schemas.microsoft.com/office/drawing/2016/SVG/main" r:embed="rId6"/>
+              </a:ext>
+            </a:extLst>
+          </a:blip>
+          <a:stretch>
+            <a:fillRect/>
+          </a:stretch>
+        </p:blipFill>
+        <p:spPr>
+          <a:xfrm>
+            <a:off x="5299440" y="707714"/>
+            <a:ext cx="469900" cy="469900"/>
+          </a:xfrm>
+          <a:prstGeom prst="rect">
+            <a:avLst/>
+          </a:prstGeom>
+        </p:spPr>
+      </p:pic>
+      <p:sp>
+        <p:nvSpPr>
+          <p:cNvPr id="151" name="TextBox 150">
+            <a:extLst>
+              <a:ext uri="{FF2B5EF4-FFF2-40B4-BE49-F238E27FC236}">
+                <a16:creationId xmlns:a16="http://schemas.microsoft.com/office/drawing/2014/main" id="{08B67E83-7D09-C748-AEEF-49786315014A}"/>
+              </a:ext>
+            </a:extLst>
+          </p:cNvPr>
+          <p:cNvSpPr txBox="1"/>
+          <p:nvPr/>
+        </p:nvSpPr>
+        <p:spPr>
+          <a:xfrm>
+            <a:off x="3758430" y="2386583"/>
+            <a:ext cx="1190818" cy="430887"/>
+          </a:xfrm>
+          <a:prstGeom prst="rect">
+            <a:avLst/>
+          </a:prstGeom>
+          <a:noFill/>
+        </p:spPr>
+        <p:txBody>
+          <a:bodyPr wrap="square" rtlCol="0">
+            <a:spAutoFit/>
+          </a:bodyPr>
+          <a:lstStyle/>
+          <a:p>
+            <a:pPr algn="ctr"/>
+            <a:r>
+              <a:rPr lang="en-US" sz="1100" dirty="0">
+                <a:latin typeface="Arial" panose="020B0604020202020204" pitchFamily="34" charset="0"/>
+                <a:cs typeface="Arial" panose="020B0604020202020204" pitchFamily="34" charset="0"/>
+              </a:rPr>
+              <a:t>AWS CloudFormation</a:t>
+            </a:r>
+          </a:p>
+        </p:txBody>
+      </p:sp>
+      <p:pic>
+        <p:nvPicPr>
+          <p:cNvPr id="152" name="Graphic 151">
+            <a:extLst>
+              <a:ext uri="{FF2B5EF4-FFF2-40B4-BE49-F238E27FC236}">
+                <a16:creationId xmlns:a16="http://schemas.microsoft.com/office/drawing/2014/main" id="{399FFB55-9DC7-0642-93ED-51225281247C}"/>
               </a:ext>
             </a:extLst>
           </p:cNvPr>
@@ -4411,8 +4476,8 @@
         </p:blipFill>
         <p:spPr>
           <a:xfrm>
-            <a:off x="5691771" y="2467575"/>
-            <a:ext cx="555156" cy="555156"/>
+            <a:off x="4128729" y="1935401"/>
+            <a:ext cx="457200" cy="457200"/>
           </a:xfrm>
           <a:prstGeom prst="rect">
             <a:avLst/>
@@ -4421,260 +4486,20 @@
       </p:pic>
       <p:sp>
         <p:nvSpPr>
-          <p:cNvPr id="144" name="TextBox 143">
-            <a:extLst>
-              <a:ext uri="{FF2B5EF4-FFF2-40B4-BE49-F238E27FC236}">
-                <a16:creationId xmlns:a16="http://schemas.microsoft.com/office/drawing/2014/main" id="{11460688-CF57-0645-ADC6-FB4EF5AFD30A}"/>
-              </a:ext>
-            </a:extLst>
-          </p:cNvPr>
-          <p:cNvSpPr txBox="1"/>
+          <p:cNvPr id="153" name="Rectangle 152">
+            <a:extLst>
+              <a:ext uri="{FF2B5EF4-FFF2-40B4-BE49-F238E27FC236}">
+                <a16:creationId xmlns:a16="http://schemas.microsoft.com/office/drawing/2014/main" id="{CB91CC3D-9B41-4F4E-A36E-8EBAE5690590}"/>
+              </a:ext>
+            </a:extLst>
+          </p:cNvPr>
+          <p:cNvSpPr/>
           <p:nvPr/>
         </p:nvSpPr>
         <p:spPr>
           <a:xfrm>
-            <a:off x="6503487" y="2169626"/>
-            <a:ext cx="1103001" cy="261610"/>
-          </a:xfrm>
-          <a:prstGeom prst="rect">
-            <a:avLst/>
-          </a:prstGeom>
-          <a:noFill/>
-        </p:spPr>
-        <p:txBody>
-          <a:bodyPr wrap="square" rtlCol="0">
-            <a:spAutoFit/>
-          </a:bodyPr>
-          <a:lstStyle/>
-          <a:p>
-            <a:pPr algn="ctr"/>
-            <a:r>
-              <a:rPr lang="en-US" sz="1100" dirty="0">
-                <a:latin typeface="Arial" panose="020B0604020202020204" pitchFamily="34" charset="0"/>
-                <a:cs typeface="Arial" panose="020B0604020202020204" pitchFamily="34" charset="0"/>
-              </a:rPr>
-              <a:t>Lambda Role</a:t>
-            </a:r>
-          </a:p>
-        </p:txBody>
-      </p:sp>
-      <p:pic>
-        <p:nvPicPr>
-          <p:cNvPr id="145" name="Graphic 144">
-            <a:extLst>
-              <a:ext uri="{FF2B5EF4-FFF2-40B4-BE49-F238E27FC236}">
-                <a16:creationId xmlns:a16="http://schemas.microsoft.com/office/drawing/2014/main" id="{C2D32431-760D-C84E-8B09-2C214FF2B238}"/>
-              </a:ext>
-            </a:extLst>
-          </p:cNvPr>
-          <p:cNvPicPr>
-            <a:picLocks noChangeAspect="1"/>
-          </p:cNvPicPr>
-          <p:nvPr/>
-        </p:nvPicPr>
-        <p:blipFill>
-          <a:blip r:embed="rId9">
-            <a:extLst>
-              <a:ext uri="{96DAC541-7B7A-43D3-8B79-37D633B846F1}">
-                <asvg:svgBlip xmlns:asvg="http://schemas.microsoft.com/office/drawing/2016/SVG/main" r:embed="rId10"/>
-              </a:ext>
-            </a:extLst>
-          </a:blip>
-          <a:stretch>
-            <a:fillRect/>
-          </a:stretch>
-        </p:blipFill>
-        <p:spPr>
-          <a:xfrm>
-            <a:off x="6818608" y="1757798"/>
-            <a:ext cx="469900" cy="469900"/>
-          </a:xfrm>
-          <a:prstGeom prst="rect">
-            <a:avLst/>
-          </a:prstGeom>
-        </p:spPr>
-      </p:pic>
-      <p:cxnSp>
-        <p:nvCxnSpPr>
-          <p:cNvPr id="148" name="Straight Arrow Connector 147">
-            <a:extLst>
-              <a:ext uri="{FF2B5EF4-FFF2-40B4-BE49-F238E27FC236}">
-                <a16:creationId xmlns:a16="http://schemas.microsoft.com/office/drawing/2014/main" id="{6F49BA0C-6430-BE44-84A2-07F1A2B399AE}"/>
-              </a:ext>
-            </a:extLst>
-          </p:cNvPr>
-          <p:cNvCxnSpPr>
-            <a:cxnSpLocks/>
-          </p:cNvCxnSpPr>
-          <p:nvPr/>
-        </p:nvCxnSpPr>
-        <p:spPr>
-          <a:xfrm>
-            <a:off x="6478622" y="2717012"/>
-            <a:ext cx="1127866" cy="0"/>
-          </a:xfrm>
-          <a:prstGeom prst="straightConnector1">
-            <a:avLst/>
-          </a:prstGeom>
-          <a:ln w="12700">
-            <a:solidFill>
-              <a:srgbClr val="545B64"/>
-            </a:solidFill>
-            <a:headEnd type="none" w="med" len="sm"/>
-            <a:tailEnd type="arrow" w="med" len="sm"/>
-          </a:ln>
-        </p:spPr>
-        <p:style>
-          <a:lnRef idx="1">
-            <a:schemeClr val="accent1"/>
-          </a:lnRef>
-          <a:fillRef idx="0">
-            <a:schemeClr val="accent1"/>
-          </a:fillRef>
-          <a:effectRef idx="0">
-            <a:schemeClr val="accent1"/>
-          </a:effectRef>
-          <a:fontRef idx="minor">
-            <a:schemeClr val="tx1"/>
-          </a:fontRef>
-        </p:style>
-      </p:cxnSp>
-      <p:cxnSp>
-        <p:nvCxnSpPr>
-          <p:cNvPr id="149" name="Straight Arrow Connector 148">
-            <a:extLst>
-              <a:ext uri="{FF2B5EF4-FFF2-40B4-BE49-F238E27FC236}">
-                <a16:creationId xmlns:a16="http://schemas.microsoft.com/office/drawing/2014/main" id="{6F0CE74A-09C5-4A4E-9C83-096CC31B5CE1}"/>
-              </a:ext>
-            </a:extLst>
-          </p:cNvPr>
-          <p:cNvCxnSpPr>
-            <a:cxnSpLocks/>
-          </p:cNvCxnSpPr>
-          <p:nvPr/>
-        </p:nvCxnSpPr>
-        <p:spPr>
-          <a:xfrm flipV="1">
-            <a:off x="5945900" y="2102058"/>
-            <a:ext cx="0" cy="287466"/>
-          </a:xfrm>
-          <a:prstGeom prst="straightConnector1">
-            <a:avLst/>
-          </a:prstGeom>
-          <a:ln w="12700">
-            <a:solidFill>
-              <a:srgbClr val="545B64"/>
-            </a:solidFill>
-            <a:headEnd type="none" w="med" len="sm"/>
-            <a:tailEnd type="arrow" w="med" len="sm"/>
-          </a:ln>
-        </p:spPr>
-        <p:style>
-          <a:lnRef idx="1">
-            <a:schemeClr val="accent1"/>
-          </a:lnRef>
-          <a:fillRef idx="0">
-            <a:schemeClr val="accent1"/>
-          </a:fillRef>
-          <a:effectRef idx="0">
-            <a:schemeClr val="accent1"/>
-          </a:effectRef>
-          <a:fontRef idx="minor">
-            <a:schemeClr val="tx1"/>
-          </a:fontRef>
-        </p:style>
-      </p:cxnSp>
-      <p:sp>
-        <p:nvSpPr>
-          <p:cNvPr id="151" name="TextBox 150">
-            <a:extLst>
-              <a:ext uri="{FF2B5EF4-FFF2-40B4-BE49-F238E27FC236}">
-                <a16:creationId xmlns:a16="http://schemas.microsoft.com/office/drawing/2014/main" id="{08B67E83-7D09-C748-AEEF-49786315014A}"/>
-              </a:ext>
-            </a:extLst>
-          </p:cNvPr>
-          <p:cNvSpPr txBox="1"/>
-          <p:nvPr/>
-        </p:nvSpPr>
-        <p:spPr>
-          <a:xfrm>
-            <a:off x="3579074" y="2274673"/>
-            <a:ext cx="1307240" cy="430887"/>
-          </a:xfrm>
-          <a:prstGeom prst="rect">
-            <a:avLst/>
-          </a:prstGeom>
-          <a:noFill/>
-        </p:spPr>
-        <p:txBody>
-          <a:bodyPr wrap="square" rtlCol="0">
-            <a:spAutoFit/>
-          </a:bodyPr>
-          <a:lstStyle/>
-          <a:p>
-            <a:pPr algn="ctr"/>
-            <a:r>
-              <a:rPr lang="en-US" sz="1100" dirty="0">
-                <a:latin typeface="Arial" panose="020B0604020202020204" pitchFamily="34" charset="0"/>
-                <a:cs typeface="Arial" panose="020B0604020202020204" pitchFamily="34" charset="0"/>
-              </a:rPr>
-              <a:t>AWS CloudFormation</a:t>
-            </a:r>
-          </a:p>
-        </p:txBody>
-      </p:sp>
-      <p:pic>
-        <p:nvPicPr>
-          <p:cNvPr id="152" name="Graphic 151">
-            <a:extLst>
-              <a:ext uri="{FF2B5EF4-FFF2-40B4-BE49-F238E27FC236}">
-                <a16:creationId xmlns:a16="http://schemas.microsoft.com/office/drawing/2014/main" id="{399FFB55-9DC7-0642-93ED-51225281247C}"/>
-              </a:ext>
-            </a:extLst>
-          </p:cNvPr>
-          <p:cNvPicPr>
-            <a:picLocks noChangeAspect="1"/>
-          </p:cNvPicPr>
-          <p:nvPr/>
-        </p:nvPicPr>
-        <p:blipFill>
-          <a:blip r:embed="rId11">
-            <a:extLst>
-              <a:ext uri="{96DAC541-7B7A-43D3-8B79-37D633B846F1}">
-                <asvg:svgBlip xmlns:asvg="http://schemas.microsoft.com/office/drawing/2016/SVG/main" r:embed="rId12"/>
-              </a:ext>
-            </a:extLst>
-          </a:blip>
-          <a:stretch>
-            <a:fillRect/>
-          </a:stretch>
-        </p:blipFill>
-        <p:spPr>
-          <a:xfrm>
-            <a:off x="3955116" y="1686279"/>
-            <a:ext cx="555156" cy="555156"/>
-          </a:xfrm>
-          <a:prstGeom prst="rect">
-            <a:avLst/>
-          </a:prstGeom>
-        </p:spPr>
-      </p:pic>
-      <p:sp>
-        <p:nvSpPr>
-          <p:cNvPr id="153" name="Rectangle 152">
-            <a:extLst>
-              <a:ext uri="{FF2B5EF4-FFF2-40B4-BE49-F238E27FC236}">
-                <a16:creationId xmlns:a16="http://schemas.microsoft.com/office/drawing/2014/main" id="{CB91CC3D-9B41-4F4E-A36E-8EBAE5690590}"/>
-              </a:ext>
-            </a:extLst>
-          </p:cNvPr>
-          <p:cNvSpPr/>
-          <p:nvPr/>
-        </p:nvSpPr>
-        <p:spPr>
-          <a:xfrm>
-            <a:off x="5186464" y="1007774"/>
-            <a:ext cx="3500337" cy="2372158"/>
+            <a:off x="3745152" y="1325880"/>
+            <a:ext cx="3755449" cy="2103120"/>
           </a:xfrm>
           <a:prstGeom prst="rect">
             <a:avLst/>
@@ -4704,7 +4529,7 @@
           </a:fontRef>
         </p:style>
         <p:txBody>
-          <a:bodyPr rot="0" spcFirstLastPara="0" vertOverflow="overflow" horzOverflow="overflow" vert="horz" wrap="square" lIns="91440" tIns="91440" rIns="91440" bIns="45720" numCol="1" spcCol="0" rtlCol="0" fromWordArt="0" anchor="t" anchorCtr="0" forceAA="0" compatLnSpc="1">
+          <a:bodyPr rot="0" spcFirstLastPara="0" vertOverflow="overflow" horzOverflow="overflow" vert="horz" wrap="square" lIns="91440" tIns="0" rIns="91440" bIns="45720" numCol="1" spcCol="0" rtlCol="0" fromWordArt="0" anchor="t" anchorCtr="0" forceAA="0" compatLnSpc="1">
             <a:prstTxWarp prst="textNoShape">
               <a:avLst/>
             </a:prstTxWarp>
@@ -4712,78 +4537,35 @@
           </a:bodyPr>
           <a:lstStyle/>
           <a:p>
-            <a:pPr algn="ctr"/>
-            <a:endParaRPr lang="en-US" sz="1400" dirty="0">
-              <a:solidFill>
-                <a:srgbClr val="5A6B86"/>
-              </a:solidFill>
-              <a:latin typeface="Arial" panose="020B0604020202020204" pitchFamily="34" charset="0"/>
-              <a:cs typeface="Arial" panose="020B0604020202020204" pitchFamily="34" charset="0"/>
-            </a:endParaRPr>
-          </a:p>
-        </p:txBody>
-      </p:sp>
-      <p:cxnSp>
-        <p:nvCxnSpPr>
-          <p:cNvPr id="154" name="Straight Arrow Connector 153">
-            <a:extLst>
-              <a:ext uri="{FF2B5EF4-FFF2-40B4-BE49-F238E27FC236}">
-                <a16:creationId xmlns:a16="http://schemas.microsoft.com/office/drawing/2014/main" id="{0FBB0361-D6B4-2F47-A0BE-F9DF0B40739C}"/>
-              </a:ext>
-            </a:extLst>
-          </p:cNvPr>
-          <p:cNvCxnSpPr>
-            <a:cxnSpLocks/>
-          </p:cNvCxnSpPr>
+            <a:r>
+              <a:rPr lang="en-US" sz="1100" b="1" dirty="0">
+                <a:solidFill>
+                  <a:schemeClr val="tx1"/>
+                </a:solidFill>
+                <a:latin typeface="Arial" panose="020B0604020202020204" pitchFamily="34" charset="0"/>
+                <a:cs typeface="Arial" panose="020B0604020202020204" pitchFamily="34" charset="0"/>
+              </a:rPr>
+              <a:t>Home-region</a:t>
+            </a:r>
+          </a:p>
+        </p:txBody>
+      </p:sp>
+      <p:sp>
+        <p:nvSpPr>
+          <p:cNvPr id="195" name="Rectangle 194">
+            <a:extLst>
+              <a:ext uri="{FF2B5EF4-FFF2-40B4-BE49-F238E27FC236}">
+                <a16:creationId xmlns:a16="http://schemas.microsoft.com/office/drawing/2014/main" id="{F0CA800E-A50B-114F-87E0-3783ED123AB8}"/>
+              </a:ext>
+            </a:extLst>
+          </p:cNvPr>
+          <p:cNvSpPr/>
           <p:nvPr/>
-        </p:nvCxnSpPr>
+        </p:nvSpPr>
         <p:spPr>
           <a:xfrm>
-            <a:off x="4597674" y="1965865"/>
-            <a:ext cx="486285" cy="0"/>
-          </a:xfrm>
-          <a:prstGeom prst="straightConnector1">
-            <a:avLst/>
-          </a:prstGeom>
-          <a:ln w="12700">
-            <a:solidFill>
-              <a:srgbClr val="545B64"/>
-            </a:solidFill>
-            <a:headEnd type="none" w="med" len="sm"/>
-            <a:tailEnd type="arrow" w="med" len="sm"/>
-          </a:ln>
-        </p:spPr>
-        <p:style>
-          <a:lnRef idx="1">
-            <a:schemeClr val="accent1"/>
-          </a:lnRef>
-          <a:fillRef idx="0">
-            <a:schemeClr val="accent1"/>
-          </a:fillRef>
-          <a:effectRef idx="0">
-            <a:schemeClr val="accent1"/>
-          </a:effectRef>
-          <a:fontRef idx="minor">
-            <a:schemeClr val="tx1"/>
-          </a:fontRef>
-        </p:style>
-      </p:cxnSp>
-      <p:sp>
-        <p:nvSpPr>
-          <p:cNvPr id="195" name="Rectangle 194">
-            <a:extLst>
-              <a:ext uri="{FF2B5EF4-FFF2-40B4-BE49-F238E27FC236}">
-                <a16:creationId xmlns:a16="http://schemas.microsoft.com/office/drawing/2014/main" id="{F0CA800E-A50B-114F-87E0-3783ED123AB8}"/>
-              </a:ext>
-            </a:extLst>
-          </p:cNvPr>
-          <p:cNvSpPr/>
-          <p:nvPr/>
-        </p:nvSpPr>
-        <p:spPr>
-          <a:xfrm>
-            <a:off x="4500167" y="4222780"/>
-            <a:ext cx="3405688" cy="2364853"/>
+            <a:off x="3950380" y="4173956"/>
+            <a:ext cx="3405688" cy="1927506"/>
           </a:xfrm>
           <a:prstGeom prst="rect">
             <a:avLst/>
@@ -4906,7 +4688,7 @@
         </p:nvSpPr>
         <p:spPr>
           <a:xfrm>
-            <a:off x="3962166" y="1699378"/>
+            <a:off x="4135779" y="1948500"/>
             <a:ext cx="253435" cy="212902"/>
           </a:xfrm>
           <a:prstGeom prst="ellipse">
@@ -4966,7 +4748,7 @@
         </p:nvSpPr>
         <p:spPr>
           <a:xfrm>
-            <a:off x="5698165" y="2474042"/>
+            <a:off x="5114682" y="1537361"/>
             <a:ext cx="253435" cy="212902"/>
           </a:xfrm>
           <a:prstGeom prst="ellipse">
@@ -5026,7 +4808,7 @@
         </p:nvSpPr>
         <p:spPr>
           <a:xfrm>
-            <a:off x="6943975" y="1607543"/>
+            <a:off x="5109260" y="794007"/>
             <a:ext cx="253435" cy="212902"/>
           </a:xfrm>
           <a:prstGeom prst="ellipse">
@@ -5086,7 +4868,7 @@
         </p:nvSpPr>
         <p:spPr>
           <a:xfrm>
-            <a:off x="5663899" y="1106505"/>
+            <a:off x="5073263" y="2579654"/>
             <a:ext cx="253435" cy="212902"/>
           </a:xfrm>
           <a:prstGeom prst="ellipse">
@@ -5146,7 +4928,7 @@
         </p:nvSpPr>
         <p:spPr>
           <a:xfrm>
-            <a:off x="3784133" y="3693608"/>
+            <a:off x="3867084" y="3652226"/>
             <a:ext cx="253435" cy="212902"/>
           </a:xfrm>
           <a:prstGeom prst="ellipse">
@@ -5207,7 +4989,7 @@
           <p:nvPr/>
         </p:nvPicPr>
         <p:blipFill>
-          <a:blip r:embed="rId13">
+          <a:blip r:embed="rId9">
             <a:extLst>
               <a:ext uri="{28A0092B-C50C-407E-A947-70E740481C1C}">
                 <a14:useLocalDpi xmlns:a14="http://schemas.microsoft.com/office/drawing/2010/main" val="0"/>
@@ -5221,8 +5003,8 @@
         </p:blipFill>
         <p:spPr bwMode="auto">
           <a:xfrm>
-            <a:off x="7882590" y="2408526"/>
-            <a:ext cx="557784" cy="557784"/>
+            <a:off x="6702665" y="1573690"/>
+            <a:ext cx="457200" cy="457200"/>
           </a:xfrm>
           <a:prstGeom prst="rect">
             <a:avLst/>
@@ -5266,8 +5048,8 @@
         </p:nvSpPr>
         <p:spPr>
           <a:xfrm>
-            <a:off x="7513516" y="2956582"/>
-            <a:ext cx="1307240" cy="430887"/>
+            <a:off x="6372524" y="2021243"/>
+            <a:ext cx="1128077" cy="430887"/>
           </a:xfrm>
           <a:prstGeom prst="rect">
             <a:avLst/>
@@ -5306,7 +5088,7 @@
           <p:nvPr/>
         </p:nvPicPr>
         <p:blipFill>
-          <a:blip r:embed="rId14">
+          <a:blip r:embed="rId10">
             <a:extLst>
               <a:ext uri="{28A0092B-C50C-407E-A947-70E740481C1C}">
                 <a14:useLocalDpi xmlns:a14="http://schemas.microsoft.com/office/drawing/2010/main" val="0"/>
@@ -5320,7 +5102,7 @@
         </p:blipFill>
         <p:spPr bwMode="auto">
           <a:xfrm>
-            <a:off x="5584815" y="6006236"/>
+            <a:off x="5144933" y="5580619"/>
             <a:ext cx="457200" cy="457200"/>
           </a:xfrm>
           <a:prstGeom prst="rect">
@@ -5366,10 +5148,10 @@
           <p:nvPr/>
         </p:nvPicPr>
         <p:blipFill>
-          <a:blip r:embed="rId15">
+          <a:blip r:embed="rId11">
             <a:extLst>
               <a:ext uri="{96DAC541-7B7A-43D3-8B79-37D633B846F1}">
-                <asvg:svgBlip xmlns:asvg="http://schemas.microsoft.com/office/drawing/2016/SVG/main" r:embed="rId16"/>
+                <asvg:svgBlip xmlns:asvg="http://schemas.microsoft.com/office/drawing/2016/SVG/main" r:embed="rId12"/>
               </a:ext>
             </a:extLst>
           </a:blip>
@@ -5379,8 +5161,8 @@
         </p:blipFill>
         <p:spPr>
           <a:xfrm>
-            <a:off x="5534523" y="4614852"/>
-            <a:ext cx="557784" cy="557784"/>
+            <a:off x="5166375" y="4567451"/>
+            <a:ext cx="457200" cy="457200"/>
           </a:xfrm>
           <a:prstGeom prst="rect">
             <a:avLst/>
@@ -5402,7 +5184,7 @@
           <p:nvPr/>
         </p:nvPicPr>
         <p:blipFill>
-          <a:blip r:embed="rId17">
+          <a:blip r:embed="rId13">
             <a:extLst>
               <a:ext uri="{28A0092B-C50C-407E-A947-70E740481C1C}">
                 <a14:useLocalDpi xmlns:a14="http://schemas.microsoft.com/office/drawing/2010/main" val="0"/>
@@ -5416,8 +5198,8 @@
         </p:blipFill>
         <p:spPr bwMode="auto">
           <a:xfrm>
-            <a:off x="6232118" y="4621865"/>
-            <a:ext cx="557784" cy="557784"/>
+            <a:off x="5682331" y="4573040"/>
+            <a:ext cx="457200" cy="457200"/>
           </a:xfrm>
           <a:prstGeom prst="rect">
             <a:avLst/>
@@ -5462,7 +5244,7 @@
           <p:nvPr/>
         </p:nvPicPr>
         <p:blipFill>
-          <a:blip r:embed="rId18">
+          <a:blip r:embed="rId14">
             <a:extLst>
               <a:ext uri="{28A0092B-C50C-407E-A947-70E740481C1C}">
                 <a14:useLocalDpi xmlns:a14="http://schemas.microsoft.com/office/drawing/2010/main" val="0"/>
@@ -5476,8 +5258,8 @@
         </p:blipFill>
         <p:spPr bwMode="auto">
           <a:xfrm>
-            <a:off x="5902534" y="5315640"/>
-            <a:ext cx="557784" cy="557784"/>
+            <a:off x="5424624" y="5091203"/>
+            <a:ext cx="457200" cy="457200"/>
           </a:xfrm>
           <a:prstGeom prst="rect">
             <a:avLst/>
@@ -5522,7 +5304,7 @@
           <p:nvPr/>
         </p:nvPicPr>
         <p:blipFill>
-          <a:blip r:embed="rId19">
+          <a:blip r:embed="rId15">
             <a:extLst>
               <a:ext uri="{28A0092B-C50C-407E-A947-70E740481C1C}">
                 <a14:useLocalDpi xmlns:a14="http://schemas.microsoft.com/office/drawing/2010/main" val="0"/>
@@ -5536,8 +5318,8 @@
         </p:blipFill>
         <p:spPr bwMode="auto">
           <a:xfrm>
-            <a:off x="6592751" y="5312461"/>
-            <a:ext cx="557784" cy="557784"/>
+            <a:off x="5959191" y="5085417"/>
+            <a:ext cx="457200" cy="457200"/>
           </a:xfrm>
           <a:prstGeom prst="rect">
             <a:avLst/>
@@ -5582,7 +5364,7 @@
           <p:nvPr/>
         </p:nvPicPr>
         <p:blipFill>
-          <a:blip r:embed="rId20">
+          <a:blip r:embed="rId16">
             <a:extLst>
               <a:ext uri="{28A0092B-C50C-407E-A947-70E740481C1C}">
                 <a14:useLocalDpi xmlns:a14="http://schemas.microsoft.com/office/drawing/2010/main" val="0"/>
@@ -5596,8 +5378,8 @@
         </p:blipFill>
         <p:spPr bwMode="auto">
           <a:xfrm>
-            <a:off x="5202924" y="5312461"/>
-            <a:ext cx="557784" cy="557784"/>
+            <a:off x="4903138" y="5085417"/>
+            <a:ext cx="457200" cy="457200"/>
           </a:xfrm>
           <a:prstGeom prst="rect">
             <a:avLst/>
@@ -5642,10 +5424,10 @@
           <p:nvPr/>
         </p:nvPicPr>
         <p:blipFill>
-          <a:blip r:embed="rId21">
+          <a:blip r:embed="rId17">
             <a:extLst>
               <a:ext uri="{96DAC541-7B7A-43D3-8B79-37D633B846F1}">
-                <asvg:svgBlip xmlns:asvg="http://schemas.microsoft.com/office/drawing/2016/SVG/main" r:embed="rId22"/>
+                <asvg:svgBlip xmlns:asvg="http://schemas.microsoft.com/office/drawing/2016/SVG/main" r:embed="rId18"/>
               </a:ext>
             </a:extLst>
           </a:blip>
@@ -5654,7 +5436,7 @@
         </p:blipFill>
         <p:spPr bwMode="auto">
           <a:xfrm>
-            <a:off x="6282410" y="6015004"/>
+            <a:off x="5718894" y="5589997"/>
             <a:ext cx="457200" cy="457200"/>
           </a:xfrm>
           <a:prstGeom prst="rect">
@@ -5699,8 +5481,8 @@
         </p:nvSpPr>
         <p:spPr>
           <a:xfrm>
-            <a:off x="5774286" y="4306567"/>
-            <a:ext cx="872355" cy="307777"/>
+            <a:off x="5224499" y="4257742"/>
+            <a:ext cx="922047" cy="307777"/>
           </a:xfrm>
           <a:prstGeom prst="rect">
             <a:avLst/>
@@ -5714,7 +5496,7 @@
           <a:lstStyle/>
           <a:p>
             <a:r>
-              <a:rPr lang="en-US" sz="1400" dirty="0">
+              <a:rPr lang="en-US" sz="1400" b="1" dirty="0">
                 <a:latin typeface="Arial" panose="020B0604020202020204" pitchFamily="34" charset="0"/>
                 <a:cs typeface="Arial" panose="020B0604020202020204" pitchFamily="34" charset="0"/>
               </a:rPr>
@@ -5737,7 +5519,7 @@
         </p:nvSpPr>
         <p:spPr>
           <a:xfrm>
-            <a:off x="4546898" y="4260212"/>
+            <a:off x="3997111" y="4211387"/>
             <a:ext cx="253435" cy="212902"/>
           </a:xfrm>
           <a:prstGeom prst="ellipse">
@@ -5797,7 +5579,7 @@
         </p:nvSpPr>
         <p:spPr>
           <a:xfrm>
-            <a:off x="7888984" y="2414920"/>
+            <a:off x="6709059" y="1580084"/>
             <a:ext cx="253435" cy="212902"/>
           </a:xfrm>
           <a:prstGeom prst="ellipse">
@@ -5843,6 +5625,210 @@
           </a:p>
         </p:txBody>
       </p:sp>
+      <p:pic>
+        <p:nvPicPr>
+          <p:cNvPr id="37" name="Graphic 13">
+            <a:extLst>
+              <a:ext uri="{FF2B5EF4-FFF2-40B4-BE49-F238E27FC236}">
+                <a16:creationId xmlns:a16="http://schemas.microsoft.com/office/drawing/2014/main" id="{1C8986A3-EEE8-EC43-A681-FD4CCA224128}"/>
+              </a:ext>
+            </a:extLst>
+          </p:cNvPr>
+          <p:cNvPicPr>
+            <a:picLocks noChangeAspect="1" noChangeArrowheads="1"/>
+          </p:cNvPicPr>
+          <p:nvPr/>
+        </p:nvPicPr>
+        <p:blipFill>
+          <a:blip r:embed="rId19">
+            <a:extLst>
+              <a:ext uri="{28A0092B-C50C-407E-A947-70E740481C1C}">
+                <a14:useLocalDpi xmlns:a14="http://schemas.microsoft.com/office/drawing/2010/main" val="0"/>
+              </a:ext>
+            </a:extLst>
+          </a:blip>
+          <a:srcRect/>
+          <a:stretch>
+            <a:fillRect/>
+          </a:stretch>
+        </p:blipFill>
+        <p:spPr bwMode="auto">
+          <a:xfrm>
+            <a:off x="5338128" y="1565141"/>
+            <a:ext cx="457200" cy="457200"/>
+          </a:xfrm>
+          <a:prstGeom prst="rect">
+            <a:avLst/>
+          </a:prstGeom>
+          <a:noFill/>
+          <a:ln>
+            <a:noFill/>
+          </a:ln>
+          <a:extLst>
+            <a:ext uri="{909E8E84-426E-40DD-AFC4-6F175D3DCCD1}">
+              <a14:hiddenFill xmlns:a14="http://schemas.microsoft.com/office/drawing/2010/main">
+                <a:solidFill>
+                  <a:srgbClr val="FFFFFF"/>
+                </a:solidFill>
+              </a14:hiddenFill>
+            </a:ext>
+            <a:ext uri="{91240B29-F687-4F45-9708-019B960494DF}">
+              <a14:hiddenLine xmlns:a14="http://schemas.microsoft.com/office/drawing/2010/main" w="9525">
+                <a:solidFill>
+                  <a:srgbClr val="000000"/>
+                </a:solidFill>
+                <a:miter lim="800000"/>
+                <a:headEnd/>
+                <a:tailEnd/>
+              </a14:hiddenLine>
+            </a:ext>
+          </a:extLst>
+        </p:spPr>
+      </p:pic>
+      <p:pic>
+        <p:nvPicPr>
+          <p:cNvPr id="38" name="Graphic 7">
+            <a:extLst>
+              <a:ext uri="{FF2B5EF4-FFF2-40B4-BE49-F238E27FC236}">
+                <a16:creationId xmlns:a16="http://schemas.microsoft.com/office/drawing/2014/main" id="{B7DE7DE4-74E2-474A-97EC-1F6305054BDE}"/>
+              </a:ext>
+            </a:extLst>
+          </p:cNvPr>
+          <p:cNvPicPr>
+            <a:picLocks noChangeAspect="1" noChangeArrowheads="1"/>
+          </p:cNvPicPr>
+          <p:nvPr/>
+        </p:nvPicPr>
+        <p:blipFill>
+          <a:blip r:embed="rId20">
+            <a:extLst>
+              <a:ext uri="{28A0092B-C50C-407E-A947-70E740481C1C}">
+                <a14:useLocalDpi xmlns:a14="http://schemas.microsoft.com/office/drawing/2010/main" val="0"/>
+              </a:ext>
+            </a:extLst>
+          </a:blip>
+          <a:srcRect/>
+          <a:stretch>
+            <a:fillRect/>
+          </a:stretch>
+        </p:blipFill>
+        <p:spPr bwMode="auto">
+          <a:xfrm>
+            <a:off x="5341673" y="2546197"/>
+            <a:ext cx="457200" cy="457200"/>
+          </a:xfrm>
+          <a:prstGeom prst="rect">
+            <a:avLst/>
+          </a:prstGeom>
+          <a:noFill/>
+          <a:ln>
+            <a:noFill/>
+          </a:ln>
+          <a:extLst>
+            <a:ext uri="{909E8E84-426E-40DD-AFC4-6F175D3DCCD1}">
+              <a14:hiddenFill xmlns:a14="http://schemas.microsoft.com/office/drawing/2010/main">
+                <a:solidFill>
+                  <a:srgbClr val="FFFFFF"/>
+                </a:solidFill>
+              </a14:hiddenFill>
+            </a:ext>
+            <a:ext uri="{91240B29-F687-4F45-9708-019B960494DF}">
+              <a14:hiddenLine xmlns:a14="http://schemas.microsoft.com/office/drawing/2010/main" w="9525">
+                <a:solidFill>
+                  <a:srgbClr val="000000"/>
+                </a:solidFill>
+                <a:miter lim="800000"/>
+                <a:headEnd/>
+                <a:tailEnd/>
+              </a14:hiddenLine>
+            </a:ext>
+          </a:extLst>
+        </p:spPr>
+      </p:pic>
+      <p:cxnSp>
+        <p:nvCxnSpPr>
+          <p:cNvPr id="41" name="Straight Arrow Connector 40">
+            <a:extLst>
+              <a:ext uri="{FF2B5EF4-FFF2-40B4-BE49-F238E27FC236}">
+                <a16:creationId xmlns:a16="http://schemas.microsoft.com/office/drawing/2014/main" id="{CA7FD23D-D5F7-5340-839A-260CF0772E74}"/>
+              </a:ext>
+            </a:extLst>
+          </p:cNvPr>
+          <p:cNvCxnSpPr>
+            <a:cxnSpLocks/>
+            <a:stCxn id="140" idx="2"/>
+            <a:endCxn id="38" idx="0"/>
+          </p:cNvCxnSpPr>
+          <p:nvPr/>
+        </p:nvCxnSpPr>
+        <p:spPr>
+          <a:xfrm flipH="1">
+            <a:off x="5570273" y="2247497"/>
+            <a:ext cx="2170" cy="298700"/>
+          </a:xfrm>
+          <a:prstGeom prst="straightConnector1">
+            <a:avLst/>
+          </a:prstGeom>
+          <a:ln>
+            <a:tailEnd type="triangle"/>
+          </a:ln>
+        </p:spPr>
+        <p:style>
+          <a:lnRef idx="1">
+            <a:schemeClr val="dk1"/>
+          </a:lnRef>
+          <a:fillRef idx="0">
+            <a:schemeClr val="dk1"/>
+          </a:fillRef>
+          <a:effectRef idx="0">
+            <a:schemeClr val="dk1"/>
+          </a:effectRef>
+          <a:fontRef idx="minor">
+            <a:schemeClr val="tx1"/>
+          </a:fontRef>
+        </p:style>
+      </p:cxnSp>
+      <p:cxnSp>
+        <p:nvCxnSpPr>
+          <p:cNvPr id="46" name="Straight Arrow Connector 45">
+            <a:extLst>
+              <a:ext uri="{FF2B5EF4-FFF2-40B4-BE49-F238E27FC236}">
+                <a16:creationId xmlns:a16="http://schemas.microsoft.com/office/drawing/2014/main" id="{38EC7A71-26DE-C14A-8A08-859851F00910}"/>
+              </a:ext>
+            </a:extLst>
+          </p:cNvPr>
+          <p:cNvCxnSpPr>
+            <a:cxnSpLocks/>
+          </p:cNvCxnSpPr>
+          <p:nvPr/>
+        </p:nvCxnSpPr>
+        <p:spPr>
+          <a:xfrm flipV="1">
+            <a:off x="6080178" y="1802290"/>
+            <a:ext cx="457200" cy="1"/>
+          </a:xfrm>
+          <a:prstGeom prst="straightConnector1">
+            <a:avLst/>
+          </a:prstGeom>
+          <a:ln>
+            <a:tailEnd type="triangle"/>
+          </a:ln>
+        </p:spPr>
+        <p:style>
+          <a:lnRef idx="1">
+            <a:schemeClr val="dk1"/>
+          </a:lnRef>
+          <a:fillRef idx="0">
+            <a:schemeClr val="dk1"/>
+          </a:fillRef>
+          <a:effectRef idx="0">
+            <a:schemeClr val="dk1"/>
+          </a:effectRef>
+          <a:fontRef idx="minor">
+            <a:schemeClr val="tx1"/>
+          </a:fontRef>
+        </p:style>
+      </p:cxnSp>
     </p:spTree>
     <p:extLst>
       <p:ext uri="{BB962C8B-B14F-4D97-AF65-F5344CB8AC3E}">

--- a/aws_sra_examples/solutions/common/common_register_delegated_administrator/documentation/sra-common-register-delegated-administrator.pptx
+++ b/aws_sra_examples/solutions/common/common_register_delegated_administrator/documentation/sra-common-register-delegated-administrator.pptx
@@ -5,10 +5,11 @@
     <p:sldMasterId id="2147483648" r:id="rId1"/>
   </p:sldMasterIdLst>
   <p:notesMasterIdLst>
-    <p:notesMasterId r:id="rId3"/>
+    <p:notesMasterId r:id="rId4"/>
   </p:notesMasterIdLst>
   <p:sldIdLst>
     <p:sldId id="256" r:id="rId2"/>
+    <p:sldId id="257" r:id="rId3"/>
   </p:sldIdLst>
   <p:sldSz cx="12192000" cy="6858000"/>
   <p:notesSz cx="6858000" cy="9144000"/>
@@ -108,6 +109,20 @@
     </a:lvl9pPr>
   </p:defaultTextStyle>
   <p:extLst>
+    <p:ext uri="{521415D9-36F7-43E2-AB2F-B90AF26B5E84}">
+      <p14:sectionLst xmlns:p14="http://schemas.microsoft.com/office/powerpoint/2010/main">
+        <p14:section name="AWS SRA Register delegated admin - CloudFormation" id="{FC81BEA4-C96C-4575-915B-955DED0A9F99}">
+          <p14:sldIdLst>
+            <p14:sldId id="256"/>
+          </p14:sldIdLst>
+        </p14:section>
+        <p14:section name="AWS SRA Register delegated admin - Terraform" id="{7492BE61-778F-425C-9CF4-6922A46B4B39}">
+          <p14:sldIdLst>
+            <p14:sldId id="257"/>
+          </p14:sldIdLst>
+        </p14:section>
+      </p14:sectionLst>
+    </p:ext>
     <p:ext uri="{EFAFB233-063F-42B5-8137-9DF3F51BA10A}">
       <p15:sldGuideLst xmlns:p15="http://schemas.microsoft.com/office/powerpoint/2012/main"/>
     </p:ext>
@@ -197,7 +212,7 @@
           <a:p>
             <a:fld id="{FD8D84E3-00BA-4A46-8256-7E527D8B4480}" type="datetimeFigureOut">
               <a:rPr lang="en-US" smtClean="0"/>
-              <a:t>3/7/22</a:t>
+              <a:t>2/5/2024</a:t>
             </a:fld>
             <a:endParaRPr lang="en-US"/>
           </a:p>
@@ -548,6 +563,90 @@
 </p:notes>
 </file>
 
+<file path=ppt/notesSlides/notesSlide2.xml><?xml version="1.0" encoding="utf-8"?>
+<p:notes xmlns:a="http://schemas.openxmlformats.org/drawingml/2006/main" xmlns:r="http://schemas.openxmlformats.org/officeDocument/2006/relationships" xmlns:p="http://schemas.openxmlformats.org/presentationml/2006/main">
+  <p:cSld>
+    <p:spTree>
+      <p:nvGrpSpPr>
+        <p:cNvPr id="1" name=""/>
+        <p:cNvGrpSpPr/>
+        <p:nvPr/>
+      </p:nvGrpSpPr>
+      <p:grpSpPr>
+        <a:xfrm>
+          <a:off x="0" y="0"/>
+          <a:ext cx="0" cy="0"/>
+          <a:chOff x="0" y="0"/>
+          <a:chExt cx="0" cy="0"/>
+        </a:xfrm>
+      </p:grpSpPr>
+      <p:sp>
+        <p:nvSpPr>
+          <p:cNvPr id="2" name="Slide Image Placeholder 1"/>
+          <p:cNvSpPr>
+            <a:spLocks noGrp="1" noRot="1" noChangeAspect="1"/>
+          </p:cNvSpPr>
+          <p:nvPr>
+            <p:ph type="sldImg"/>
+          </p:nvPr>
+        </p:nvSpPr>
+        <p:spPr/>
+      </p:sp>
+      <p:sp>
+        <p:nvSpPr>
+          <p:cNvPr id="3" name="Notes Placeholder 2"/>
+          <p:cNvSpPr>
+            <a:spLocks noGrp="1"/>
+          </p:cNvSpPr>
+          <p:nvPr>
+            <p:ph type="body" idx="1"/>
+          </p:nvPr>
+        </p:nvSpPr>
+        <p:spPr/>
+        <p:txBody>
+          <a:bodyPr/>
+          <a:lstStyle/>
+          <a:p>
+            <a:endParaRPr lang="en-US" dirty="0"/>
+          </a:p>
+        </p:txBody>
+      </p:sp>
+      <p:sp>
+        <p:nvSpPr>
+          <p:cNvPr id="4" name="Slide Number Placeholder 3"/>
+          <p:cNvSpPr>
+            <a:spLocks noGrp="1"/>
+          </p:cNvSpPr>
+          <p:nvPr>
+            <p:ph type="sldNum" sz="quarter" idx="5"/>
+          </p:nvPr>
+        </p:nvSpPr>
+        <p:spPr/>
+        <p:txBody>
+          <a:bodyPr/>
+          <a:lstStyle/>
+          <a:p>
+            <a:fld id="{9E1330C4-BBBB-FC4A-85DD-6AFA452BF0C0}" type="slidenum">
+              <a:rPr lang="en-US" smtClean="0"/>
+              <a:t>2</a:t>
+            </a:fld>
+            <a:endParaRPr lang="en-US"/>
+          </a:p>
+        </p:txBody>
+      </p:sp>
+    </p:spTree>
+    <p:extLst>
+      <p:ext uri="{BB962C8B-B14F-4D97-AF65-F5344CB8AC3E}">
+        <p14:creationId xmlns:p14="http://schemas.microsoft.com/office/powerpoint/2010/main" val="3123071653"/>
+      </p:ext>
+    </p:extLst>
+  </p:cSld>
+  <p:clrMapOvr>
+    <a:masterClrMapping/>
+  </p:clrMapOvr>
+</p:notes>
+</file>
+
 <file path=ppt/slideLayouts/slideLayout1.xml><?xml version="1.0" encoding="utf-8"?>
 <p:sldLayout xmlns:a="http://schemas.openxmlformats.org/drawingml/2006/main" xmlns:r="http://schemas.openxmlformats.org/officeDocument/2006/relationships" xmlns:p="http://schemas.openxmlformats.org/presentationml/2006/main" type="title" preserve="1">
   <p:cSld name="Title Slide">
@@ -695,7 +794,7 @@
           <a:p>
             <a:fld id="{9FE185F7-9B28-9F45-9F43-9CB5A0B99390}" type="datetimeFigureOut">
               <a:rPr lang="en-US" smtClean="0"/>
-              <a:t>3/7/22</a:t>
+              <a:t>2/5/2024</a:t>
             </a:fld>
             <a:endParaRPr lang="en-US"/>
           </a:p>
@@ -893,7 +992,7 @@
           <a:p>
             <a:fld id="{9FE185F7-9B28-9F45-9F43-9CB5A0B99390}" type="datetimeFigureOut">
               <a:rPr lang="en-US" smtClean="0"/>
-              <a:t>3/7/22</a:t>
+              <a:t>2/5/2024</a:t>
             </a:fld>
             <a:endParaRPr lang="en-US"/>
           </a:p>
@@ -1101,7 +1200,7 @@
           <a:p>
             <a:fld id="{9FE185F7-9B28-9F45-9F43-9CB5A0B99390}" type="datetimeFigureOut">
               <a:rPr lang="en-US" smtClean="0"/>
-              <a:t>3/7/22</a:t>
+              <a:t>2/5/2024</a:t>
             </a:fld>
             <a:endParaRPr lang="en-US"/>
           </a:p>
@@ -1299,7 +1398,7 @@
           <a:p>
             <a:fld id="{9FE185F7-9B28-9F45-9F43-9CB5A0B99390}" type="datetimeFigureOut">
               <a:rPr lang="en-US" smtClean="0"/>
-              <a:t>3/7/22</a:t>
+              <a:t>2/5/2024</a:t>
             </a:fld>
             <a:endParaRPr lang="en-US"/>
           </a:p>
@@ -1574,7 +1673,7 @@
           <a:p>
             <a:fld id="{9FE185F7-9B28-9F45-9F43-9CB5A0B99390}" type="datetimeFigureOut">
               <a:rPr lang="en-US" smtClean="0"/>
-              <a:t>3/7/22</a:t>
+              <a:t>2/5/2024</a:t>
             </a:fld>
             <a:endParaRPr lang="en-US"/>
           </a:p>
@@ -1839,7 +1938,7 @@
           <a:p>
             <a:fld id="{9FE185F7-9B28-9F45-9F43-9CB5A0B99390}" type="datetimeFigureOut">
               <a:rPr lang="en-US" smtClean="0"/>
-              <a:t>3/7/22</a:t>
+              <a:t>2/5/2024</a:t>
             </a:fld>
             <a:endParaRPr lang="en-US"/>
           </a:p>
@@ -2251,7 +2350,7 @@
           <a:p>
             <a:fld id="{9FE185F7-9B28-9F45-9F43-9CB5A0B99390}" type="datetimeFigureOut">
               <a:rPr lang="en-US" smtClean="0"/>
-              <a:t>3/7/22</a:t>
+              <a:t>2/5/2024</a:t>
             </a:fld>
             <a:endParaRPr lang="en-US"/>
           </a:p>
@@ -2392,7 +2491,7 @@
           <a:p>
             <a:fld id="{9FE185F7-9B28-9F45-9F43-9CB5A0B99390}" type="datetimeFigureOut">
               <a:rPr lang="en-US" smtClean="0"/>
-              <a:t>3/7/22</a:t>
+              <a:t>2/5/2024</a:t>
             </a:fld>
             <a:endParaRPr lang="en-US"/>
           </a:p>
@@ -2505,7 +2604,7 @@
           <a:p>
             <a:fld id="{9FE185F7-9B28-9F45-9F43-9CB5A0B99390}" type="datetimeFigureOut">
               <a:rPr lang="en-US" smtClean="0"/>
-              <a:t>3/7/22</a:t>
+              <a:t>2/5/2024</a:t>
             </a:fld>
             <a:endParaRPr lang="en-US"/>
           </a:p>
@@ -2816,7 +2915,7 @@
           <a:p>
             <a:fld id="{9FE185F7-9B28-9F45-9F43-9CB5A0B99390}" type="datetimeFigureOut">
               <a:rPr lang="en-US" smtClean="0"/>
-              <a:t>3/7/22</a:t>
+              <a:t>2/5/2024</a:t>
             </a:fld>
             <a:endParaRPr lang="en-US"/>
           </a:p>
@@ -3104,7 +3203,7 @@
           <a:p>
             <a:fld id="{9FE185F7-9B28-9F45-9F43-9CB5A0B99390}" type="datetimeFigureOut">
               <a:rPr lang="en-US" smtClean="0"/>
-              <a:t>3/7/22</a:t>
+              <a:t>2/5/2024</a:t>
             </a:fld>
             <a:endParaRPr lang="en-US"/>
           </a:p>
@@ -3345,7 +3444,7 @@
           <a:p>
             <a:fld id="{9FE185F7-9B28-9F45-9F43-9CB5A0B99390}" type="datetimeFigureOut">
               <a:rPr lang="en-US" smtClean="0"/>
-              <a:t>3/7/22</a:t>
+              <a:t>2/5/2024</a:t>
             </a:fld>
             <a:endParaRPr lang="en-US"/>
           </a:p>
@@ -5833,6 +5932,1968 @@
     <p:extLst>
       <p:ext uri="{BB962C8B-B14F-4D97-AF65-F5344CB8AC3E}">
         <p14:creationId xmlns:p14="http://schemas.microsoft.com/office/powerpoint/2010/main" val="2296993975"/>
+      </p:ext>
+    </p:extLst>
+  </p:cSld>
+  <p:clrMapOvr>
+    <a:masterClrMapping/>
+  </p:clrMapOvr>
+</p:sld>
+</file>
+
+<file path=ppt/slides/slide2.xml><?xml version="1.0" encoding="utf-8"?>
+<p:sld xmlns:a="http://schemas.openxmlformats.org/drawingml/2006/main" xmlns:r="http://schemas.openxmlformats.org/officeDocument/2006/relationships" xmlns:p="http://schemas.openxmlformats.org/presentationml/2006/main">
+  <p:cSld>
+    <p:spTree>
+      <p:nvGrpSpPr>
+        <p:cNvPr id="1" name=""/>
+        <p:cNvGrpSpPr/>
+        <p:nvPr/>
+      </p:nvGrpSpPr>
+      <p:grpSpPr>
+        <a:xfrm>
+          <a:off x="0" y="0"/>
+          <a:ext cx="0" cy="0"/>
+          <a:chOff x="0" y="0"/>
+          <a:chExt cx="0" cy="0"/>
+        </a:xfrm>
+      </p:grpSpPr>
+      <p:sp>
+        <p:nvSpPr>
+          <p:cNvPr id="125" name="Rectangle 124">
+            <a:extLst>
+              <a:ext uri="{FF2B5EF4-FFF2-40B4-BE49-F238E27FC236}">
+                <a16:creationId xmlns:a16="http://schemas.microsoft.com/office/drawing/2014/main" id="{09FB3F18-5D37-9F42-BE21-657A66F925D2}"/>
+              </a:ext>
+            </a:extLst>
+          </p:cNvPr>
+          <p:cNvSpPr/>
+          <p:nvPr/>
+        </p:nvSpPr>
+        <p:spPr>
+          <a:xfrm>
+            <a:off x="3500846" y="77949"/>
+            <a:ext cx="4249783" cy="6274876"/>
+          </a:xfrm>
+          <a:prstGeom prst="rect">
+            <a:avLst/>
+          </a:prstGeom>
+          <a:solidFill>
+            <a:schemeClr val="bg1"/>
+          </a:solidFill>
+          <a:ln w="12700">
+            <a:solidFill>
+              <a:schemeClr val="tx1"/>
+            </a:solidFill>
+          </a:ln>
+        </p:spPr>
+        <p:style>
+          <a:lnRef idx="2">
+            <a:schemeClr val="accent1">
+              <a:shade val="50000"/>
+            </a:schemeClr>
+          </a:lnRef>
+          <a:fillRef idx="1">
+            <a:schemeClr val="accent1"/>
+          </a:fillRef>
+          <a:effectRef idx="0">
+            <a:schemeClr val="accent1"/>
+          </a:effectRef>
+          <a:fontRef idx="minor">
+            <a:schemeClr val="lt1"/>
+          </a:fontRef>
+        </p:style>
+        <p:txBody>
+          <a:bodyPr rot="0" spcFirstLastPara="0" vert="horz" wrap="square" lIns="457200" tIns="91440" rIns="91440" bIns="45720" numCol="1" spcCol="0" rtlCol="0" fromWordArt="0" anchor="t" anchorCtr="0" forceAA="0" compatLnSpc="1">
+            <a:prstTxWarp prst="textNoShape">
+              <a:avLst/>
+            </a:prstTxWarp>
+            <a:noAutofit/>
+          </a:bodyPr>
+          <a:lstStyle>
+            <a:lvl1pPr>
+              <a:defRPr>
+                <a:solidFill>
+                  <a:schemeClr val="lt1"/>
+                </a:solidFill>
+                <a:latin typeface="+mn-lt"/>
+                <a:ea typeface="+mn-ea"/>
+                <a:cs typeface="+mn-cs"/>
+              </a:defRPr>
+            </a:lvl1pPr>
+            <a:lvl2pPr>
+              <a:defRPr>
+                <a:solidFill>
+                  <a:schemeClr val="lt1"/>
+                </a:solidFill>
+                <a:latin typeface="+mn-lt"/>
+                <a:ea typeface="+mn-ea"/>
+                <a:cs typeface="+mn-cs"/>
+              </a:defRPr>
+            </a:lvl2pPr>
+            <a:lvl3pPr>
+              <a:defRPr>
+                <a:solidFill>
+                  <a:schemeClr val="lt1"/>
+                </a:solidFill>
+                <a:latin typeface="+mn-lt"/>
+                <a:ea typeface="+mn-ea"/>
+                <a:cs typeface="+mn-cs"/>
+              </a:defRPr>
+            </a:lvl3pPr>
+            <a:lvl4pPr>
+              <a:defRPr>
+                <a:solidFill>
+                  <a:schemeClr val="lt1"/>
+                </a:solidFill>
+                <a:latin typeface="+mn-lt"/>
+                <a:ea typeface="+mn-ea"/>
+                <a:cs typeface="+mn-cs"/>
+              </a:defRPr>
+            </a:lvl4pPr>
+            <a:lvl5pPr>
+              <a:defRPr>
+                <a:solidFill>
+                  <a:schemeClr val="lt1"/>
+                </a:solidFill>
+                <a:latin typeface="+mn-lt"/>
+                <a:ea typeface="+mn-ea"/>
+                <a:cs typeface="+mn-cs"/>
+              </a:defRPr>
+            </a:lvl5pPr>
+            <a:lvl6pPr>
+              <a:defRPr>
+                <a:solidFill>
+                  <a:schemeClr val="lt1"/>
+                </a:solidFill>
+                <a:latin typeface="+mn-lt"/>
+                <a:ea typeface="+mn-ea"/>
+                <a:cs typeface="+mn-cs"/>
+              </a:defRPr>
+            </a:lvl6pPr>
+            <a:lvl7pPr>
+              <a:defRPr>
+                <a:solidFill>
+                  <a:schemeClr val="lt1"/>
+                </a:solidFill>
+                <a:latin typeface="+mn-lt"/>
+                <a:ea typeface="+mn-ea"/>
+                <a:cs typeface="+mn-cs"/>
+              </a:defRPr>
+            </a:lvl7pPr>
+            <a:lvl8pPr>
+              <a:defRPr>
+                <a:solidFill>
+                  <a:schemeClr val="lt1"/>
+                </a:solidFill>
+                <a:latin typeface="+mn-lt"/>
+                <a:ea typeface="+mn-ea"/>
+                <a:cs typeface="+mn-cs"/>
+              </a:defRPr>
+            </a:lvl8pPr>
+            <a:lvl9pPr>
+              <a:defRPr>
+                <a:solidFill>
+                  <a:schemeClr val="lt1"/>
+                </a:solidFill>
+                <a:latin typeface="+mn-lt"/>
+                <a:ea typeface="+mn-ea"/>
+                <a:cs typeface="+mn-cs"/>
+              </a:defRPr>
+            </a:lvl9pPr>
+          </a:lstStyle>
+          <a:p>
+            <a:pPr algn="l"/>
+            <a:r>
+              <a:rPr lang="en-US" sz="1400" dirty="0">
+                <a:solidFill>
+                  <a:sysClr val="windowText" lastClr="000000"/>
+                </a:solidFill>
+                <a:latin typeface="Arial" panose="020B0604020202020204" pitchFamily="34" charset="0"/>
+                <a:cs typeface="Arial" panose="020B0604020202020204" pitchFamily="34" charset="0"/>
+              </a:rPr>
+              <a:t>AWS Cloud</a:t>
+            </a:r>
+          </a:p>
+        </p:txBody>
+      </p:sp>
+      <p:sp>
+        <p:nvSpPr>
+          <p:cNvPr id="129" name="Rectangle 128">
+            <a:extLst>
+              <a:ext uri="{FF2B5EF4-FFF2-40B4-BE49-F238E27FC236}">
+                <a16:creationId xmlns:a16="http://schemas.microsoft.com/office/drawing/2014/main" id="{FB73AA4D-BE37-B546-8168-72555838077A}"/>
+              </a:ext>
+            </a:extLst>
+          </p:cNvPr>
+          <p:cNvSpPr/>
+          <p:nvPr/>
+        </p:nvSpPr>
+        <p:spPr>
+          <a:xfrm>
+            <a:off x="3625175" y="427173"/>
+            <a:ext cx="4003534" cy="3101225"/>
+          </a:xfrm>
+          <a:prstGeom prst="rect">
+            <a:avLst/>
+          </a:prstGeom>
+          <a:noFill/>
+          <a:ln w="12700">
+            <a:solidFill>
+              <a:schemeClr val="tx1"/>
+            </a:solidFill>
+            <a:prstDash val="solid"/>
+          </a:ln>
+        </p:spPr>
+        <p:style>
+          <a:lnRef idx="2">
+            <a:schemeClr val="accent1">
+              <a:shade val="50000"/>
+            </a:schemeClr>
+          </a:lnRef>
+          <a:fillRef idx="1">
+            <a:schemeClr val="accent1"/>
+          </a:fillRef>
+          <a:effectRef idx="0">
+            <a:schemeClr val="accent1"/>
+          </a:effectRef>
+          <a:fontRef idx="minor">
+            <a:schemeClr val="lt1"/>
+          </a:fontRef>
+        </p:style>
+        <p:txBody>
+          <a:bodyPr rot="0" spcFirstLastPara="0" vertOverflow="overflow" horzOverflow="overflow" vert="horz" wrap="square" lIns="91440" tIns="91440" rIns="91440" bIns="45720" numCol="1" spcCol="0" rtlCol="0" fromWordArt="0" anchor="t" anchorCtr="0" forceAA="0" compatLnSpc="1">
+            <a:prstTxWarp prst="textNoShape">
+              <a:avLst/>
+            </a:prstTxWarp>
+            <a:noAutofit/>
+          </a:bodyPr>
+          <a:lstStyle/>
+          <a:p>
+            <a:pPr algn="ctr"/>
+            <a:r>
+              <a:rPr lang="en-US" sz="1200" dirty="0">
+                <a:solidFill>
+                  <a:schemeClr val="tx1"/>
+                </a:solidFill>
+                <a:latin typeface="Arial" panose="020B0604020202020204" pitchFamily="34" charset="0"/>
+                <a:cs typeface="Arial" panose="020B0604020202020204" pitchFamily="34" charset="0"/>
+              </a:rPr>
+              <a:t>Organization Management Account</a:t>
+            </a:r>
+          </a:p>
+        </p:txBody>
+      </p:sp>
+      <p:pic>
+        <p:nvPicPr>
+          <p:cNvPr id="126" name="Graphic 2">
+            <a:extLst>
+              <a:ext uri="{FF2B5EF4-FFF2-40B4-BE49-F238E27FC236}">
+                <a16:creationId xmlns:a16="http://schemas.microsoft.com/office/drawing/2014/main" id="{F04267D0-7955-2C4A-842B-D8A3A9599CC0}"/>
+              </a:ext>
+            </a:extLst>
+          </p:cNvPr>
+          <p:cNvPicPr>
+            <a:picLocks noChangeAspect="1"/>
+          </p:cNvPicPr>
+          <p:nvPr/>
+        </p:nvPicPr>
+        <p:blipFill>
+          <a:blip r:embed="rId3">
+            <a:extLst>
+              <a:ext uri="{96DAC541-7B7A-43D3-8B79-37D633B846F1}">
+                <asvg:svgBlip xmlns:asvg="http://schemas.microsoft.com/office/drawing/2016/SVG/main" r:embed="rId4"/>
+              </a:ext>
+            </a:extLst>
+          </a:blip>
+          <a:stretch>
+            <a:fillRect/>
+          </a:stretch>
+        </p:blipFill>
+        <p:spPr>
+          <a:xfrm>
+            <a:off x="3500846" y="77949"/>
+            <a:ext cx="330200" cy="330200"/>
+          </a:xfrm>
+          <a:prstGeom prst="rect">
+            <a:avLst/>
+          </a:prstGeom>
+        </p:spPr>
+      </p:pic>
+      <p:sp>
+        <p:nvSpPr>
+          <p:cNvPr id="127" name="Rectangle 126">
+            <a:extLst>
+              <a:ext uri="{FF2B5EF4-FFF2-40B4-BE49-F238E27FC236}">
+                <a16:creationId xmlns:a16="http://schemas.microsoft.com/office/drawing/2014/main" id="{7B8BF6E7-84AF-DE4E-9817-454F0E8CE80F}"/>
+              </a:ext>
+            </a:extLst>
+          </p:cNvPr>
+          <p:cNvSpPr/>
+          <p:nvPr/>
+        </p:nvSpPr>
+        <p:spPr>
+          <a:xfrm>
+            <a:off x="3828102" y="3606900"/>
+            <a:ext cx="3639718" cy="2621889"/>
+          </a:xfrm>
+          <a:prstGeom prst="rect">
+            <a:avLst/>
+          </a:prstGeom>
+          <a:noFill/>
+          <a:ln w="12700">
+            <a:solidFill>
+              <a:schemeClr val="tx1"/>
+            </a:solidFill>
+            <a:prstDash val="solid"/>
+          </a:ln>
+        </p:spPr>
+        <p:style>
+          <a:lnRef idx="2">
+            <a:schemeClr val="accent1">
+              <a:shade val="50000"/>
+            </a:schemeClr>
+          </a:lnRef>
+          <a:fillRef idx="1">
+            <a:schemeClr val="accent1"/>
+          </a:fillRef>
+          <a:effectRef idx="0">
+            <a:schemeClr val="accent1"/>
+          </a:effectRef>
+          <a:fontRef idx="minor">
+            <a:schemeClr val="lt1"/>
+          </a:fontRef>
+        </p:style>
+        <p:txBody>
+          <a:bodyPr rot="0" spcFirstLastPara="0" vertOverflow="overflow" horzOverflow="overflow" vert="horz" wrap="square" lIns="91440" tIns="91440" rIns="91440" bIns="45720" numCol="1" spcCol="0" rtlCol="0" fromWordArt="0" anchor="t" anchorCtr="0" forceAA="0" compatLnSpc="1">
+            <a:prstTxWarp prst="textNoShape">
+              <a:avLst/>
+            </a:prstTxWarp>
+            <a:noAutofit/>
+          </a:bodyPr>
+          <a:lstStyle/>
+          <a:p>
+            <a:pPr algn="ctr"/>
+            <a:r>
+              <a:rPr lang="en-US" sz="1200" dirty="0">
+                <a:solidFill>
+                  <a:schemeClr val="tx1"/>
+                </a:solidFill>
+                <a:latin typeface="Arial" panose="020B0604020202020204" pitchFamily="34" charset="0"/>
+                <a:cs typeface="Arial" panose="020B0604020202020204" pitchFamily="34" charset="0"/>
+              </a:rPr>
+              <a:t>Delegated Administrator Account (e.g. Audit)</a:t>
+            </a:r>
+          </a:p>
+          <a:p>
+            <a:pPr algn="ctr"/>
+            <a:r>
+              <a:rPr lang="en-US" sz="1200" dirty="0">
+                <a:solidFill>
+                  <a:schemeClr val="tx1"/>
+                </a:solidFill>
+                <a:latin typeface="Arial" panose="020B0604020202020204" pitchFamily="34" charset="0"/>
+                <a:cs typeface="Arial" panose="020B0604020202020204" pitchFamily="34" charset="0"/>
+              </a:rPr>
+              <a:t>OU: Security</a:t>
+            </a:r>
+          </a:p>
+        </p:txBody>
+      </p:sp>
+      <p:sp>
+        <p:nvSpPr>
+          <p:cNvPr id="140" name="TextBox 2">
+            <a:extLst>
+              <a:ext uri="{FF2B5EF4-FFF2-40B4-BE49-F238E27FC236}">
+                <a16:creationId xmlns:a16="http://schemas.microsoft.com/office/drawing/2014/main" id="{B5F7962F-8AB1-7644-826B-EA87E913FED5}"/>
+              </a:ext>
+            </a:extLst>
+          </p:cNvPr>
+          <p:cNvSpPr txBox="1"/>
+          <p:nvPr/>
+        </p:nvSpPr>
+        <p:spPr>
+          <a:xfrm>
+            <a:off x="4918823" y="1985887"/>
+            <a:ext cx="1307240" cy="261610"/>
+          </a:xfrm>
+          <a:prstGeom prst="rect">
+            <a:avLst/>
+          </a:prstGeom>
+          <a:noFill/>
+        </p:spPr>
+        <p:style>
+          <a:lnRef idx="0">
+            <a:scrgbClr r="0" g="0" b="0"/>
+          </a:lnRef>
+          <a:fillRef idx="0">
+            <a:scrgbClr r="0" g="0" b="0"/>
+          </a:fillRef>
+          <a:effectRef idx="0">
+            <a:scrgbClr r="0" g="0" b="0"/>
+          </a:effectRef>
+          <a:fontRef idx="major"/>
+        </p:style>
+        <p:txBody>
+          <a:bodyPr wrap="square" rtlCol="0">
+            <a:spAutoFit/>
+          </a:bodyPr>
+          <a:lstStyle>
+            <a:lvl1pPr>
+              <a:defRPr>
+                <a:latin typeface="+mj-lt"/>
+                <a:ea typeface="+mj-ea"/>
+                <a:cs typeface="+mj-cs"/>
+              </a:defRPr>
+            </a:lvl1pPr>
+            <a:lvl2pPr>
+              <a:defRPr>
+                <a:latin typeface="+mj-lt"/>
+                <a:ea typeface="+mj-ea"/>
+                <a:cs typeface="+mj-cs"/>
+              </a:defRPr>
+            </a:lvl2pPr>
+            <a:lvl3pPr>
+              <a:defRPr>
+                <a:latin typeface="+mj-lt"/>
+                <a:ea typeface="+mj-ea"/>
+                <a:cs typeface="+mj-cs"/>
+              </a:defRPr>
+            </a:lvl3pPr>
+            <a:lvl4pPr>
+              <a:defRPr>
+                <a:latin typeface="+mj-lt"/>
+                <a:ea typeface="+mj-ea"/>
+                <a:cs typeface="+mj-cs"/>
+              </a:defRPr>
+            </a:lvl4pPr>
+            <a:lvl5pPr>
+              <a:defRPr>
+                <a:latin typeface="+mj-lt"/>
+                <a:ea typeface="+mj-ea"/>
+                <a:cs typeface="+mj-cs"/>
+              </a:defRPr>
+            </a:lvl5pPr>
+            <a:lvl6pPr>
+              <a:defRPr>
+                <a:latin typeface="+mj-lt"/>
+                <a:ea typeface="+mj-ea"/>
+                <a:cs typeface="+mj-cs"/>
+              </a:defRPr>
+            </a:lvl6pPr>
+            <a:lvl7pPr>
+              <a:defRPr>
+                <a:latin typeface="+mj-lt"/>
+                <a:ea typeface="+mj-ea"/>
+                <a:cs typeface="+mj-cs"/>
+              </a:defRPr>
+            </a:lvl7pPr>
+            <a:lvl8pPr>
+              <a:defRPr>
+                <a:latin typeface="+mj-lt"/>
+                <a:ea typeface="+mj-ea"/>
+                <a:cs typeface="+mj-cs"/>
+              </a:defRPr>
+            </a:lvl8pPr>
+            <a:lvl9pPr>
+              <a:defRPr>
+                <a:latin typeface="+mj-lt"/>
+                <a:ea typeface="+mj-ea"/>
+                <a:cs typeface="+mj-cs"/>
+              </a:defRPr>
+            </a:lvl9pPr>
+          </a:lstStyle>
+          <a:p>
+            <a:pPr algn="ctr"/>
+            <a:r>
+              <a:rPr lang="en-US" sz="1100" dirty="0">
+                <a:latin typeface="Arial" panose="020B0604020202020204" pitchFamily="34" charset="0"/>
+                <a:cs typeface="Arial" panose="020B0604020202020204" pitchFamily="34" charset="0"/>
+              </a:rPr>
+              <a:t>Lambda Function</a:t>
+            </a:r>
+          </a:p>
+        </p:txBody>
+      </p:sp>
+      <p:sp>
+        <p:nvSpPr>
+          <p:cNvPr id="142" name="TextBox 2">
+            <a:extLst>
+              <a:ext uri="{FF2B5EF4-FFF2-40B4-BE49-F238E27FC236}">
+                <a16:creationId xmlns:a16="http://schemas.microsoft.com/office/drawing/2014/main" id="{D113A073-4FA6-4F4D-BFAE-1FDACEBA1D05}"/>
+              </a:ext>
+            </a:extLst>
+          </p:cNvPr>
+          <p:cNvSpPr txBox="1"/>
+          <p:nvPr/>
+        </p:nvSpPr>
+        <p:spPr>
+          <a:xfrm>
+            <a:off x="5032320" y="2934437"/>
+            <a:ext cx="1059578" cy="430887"/>
+          </a:xfrm>
+          <a:prstGeom prst="rect">
+            <a:avLst/>
+          </a:prstGeom>
+          <a:noFill/>
+        </p:spPr>
+        <p:style>
+          <a:lnRef idx="0">
+            <a:scrgbClr r="0" g="0" b="0"/>
+          </a:lnRef>
+          <a:fillRef idx="0">
+            <a:scrgbClr r="0" g="0" b="0"/>
+          </a:fillRef>
+          <a:effectRef idx="0">
+            <a:scrgbClr r="0" g="0" b="0"/>
+          </a:effectRef>
+          <a:fontRef idx="major"/>
+        </p:style>
+        <p:txBody>
+          <a:bodyPr wrap="square" rtlCol="0">
+            <a:spAutoFit/>
+          </a:bodyPr>
+          <a:lstStyle>
+            <a:lvl1pPr>
+              <a:defRPr>
+                <a:latin typeface="+mj-lt"/>
+                <a:ea typeface="+mj-ea"/>
+                <a:cs typeface="+mj-cs"/>
+              </a:defRPr>
+            </a:lvl1pPr>
+            <a:lvl2pPr>
+              <a:defRPr>
+                <a:latin typeface="+mj-lt"/>
+                <a:ea typeface="+mj-ea"/>
+                <a:cs typeface="+mj-cs"/>
+              </a:defRPr>
+            </a:lvl2pPr>
+            <a:lvl3pPr>
+              <a:defRPr>
+                <a:latin typeface="+mj-lt"/>
+                <a:ea typeface="+mj-ea"/>
+                <a:cs typeface="+mj-cs"/>
+              </a:defRPr>
+            </a:lvl3pPr>
+            <a:lvl4pPr>
+              <a:defRPr>
+                <a:latin typeface="+mj-lt"/>
+                <a:ea typeface="+mj-ea"/>
+                <a:cs typeface="+mj-cs"/>
+              </a:defRPr>
+            </a:lvl4pPr>
+            <a:lvl5pPr>
+              <a:defRPr>
+                <a:latin typeface="+mj-lt"/>
+                <a:ea typeface="+mj-ea"/>
+                <a:cs typeface="+mj-cs"/>
+              </a:defRPr>
+            </a:lvl5pPr>
+            <a:lvl6pPr>
+              <a:defRPr>
+                <a:latin typeface="+mj-lt"/>
+                <a:ea typeface="+mj-ea"/>
+                <a:cs typeface="+mj-cs"/>
+              </a:defRPr>
+            </a:lvl6pPr>
+            <a:lvl7pPr>
+              <a:defRPr>
+                <a:latin typeface="+mj-lt"/>
+                <a:ea typeface="+mj-ea"/>
+                <a:cs typeface="+mj-cs"/>
+              </a:defRPr>
+            </a:lvl7pPr>
+            <a:lvl8pPr>
+              <a:defRPr>
+                <a:latin typeface="+mj-lt"/>
+                <a:ea typeface="+mj-ea"/>
+                <a:cs typeface="+mj-cs"/>
+              </a:defRPr>
+            </a:lvl8pPr>
+            <a:lvl9pPr>
+              <a:defRPr>
+                <a:latin typeface="+mj-lt"/>
+                <a:ea typeface="+mj-ea"/>
+                <a:cs typeface="+mj-cs"/>
+              </a:defRPr>
+            </a:lvl9pPr>
+          </a:lstStyle>
+          <a:p>
+            <a:pPr algn="ctr"/>
+            <a:r>
+              <a:rPr lang="en-US" sz="1100" dirty="0">
+                <a:latin typeface="Arial" panose="020B0604020202020204" pitchFamily="34" charset="0"/>
+                <a:cs typeface="Arial" panose="020B0604020202020204" pitchFamily="34" charset="0"/>
+              </a:rPr>
+              <a:t>CloudWatch Log Group</a:t>
+            </a:r>
+          </a:p>
+        </p:txBody>
+      </p:sp>
+      <p:sp>
+        <p:nvSpPr>
+          <p:cNvPr id="144" name="TextBox 143">
+            <a:extLst>
+              <a:ext uri="{FF2B5EF4-FFF2-40B4-BE49-F238E27FC236}">
+                <a16:creationId xmlns:a16="http://schemas.microsoft.com/office/drawing/2014/main" id="{11460688-CF57-0645-ADC6-FB4EF5AFD30A}"/>
+              </a:ext>
+            </a:extLst>
+          </p:cNvPr>
+          <p:cNvSpPr txBox="1"/>
+          <p:nvPr/>
+        </p:nvSpPr>
+        <p:spPr>
+          <a:xfrm>
+            <a:off x="4984319" y="1062392"/>
+            <a:ext cx="1103001" cy="261610"/>
+          </a:xfrm>
+          <a:prstGeom prst="rect">
+            <a:avLst/>
+          </a:prstGeom>
+          <a:noFill/>
+        </p:spPr>
+        <p:txBody>
+          <a:bodyPr wrap="square" rtlCol="0">
+            <a:spAutoFit/>
+          </a:bodyPr>
+          <a:lstStyle/>
+          <a:p>
+            <a:pPr algn="ctr"/>
+            <a:r>
+              <a:rPr lang="en-US" sz="1100" dirty="0">
+                <a:latin typeface="Arial" panose="020B0604020202020204" pitchFamily="34" charset="0"/>
+                <a:cs typeface="Arial" panose="020B0604020202020204" pitchFamily="34" charset="0"/>
+              </a:rPr>
+              <a:t>Lambda Role</a:t>
+            </a:r>
+          </a:p>
+        </p:txBody>
+      </p:sp>
+      <p:pic>
+        <p:nvPicPr>
+          <p:cNvPr id="145" name="Graphic 144">
+            <a:extLst>
+              <a:ext uri="{FF2B5EF4-FFF2-40B4-BE49-F238E27FC236}">
+                <a16:creationId xmlns:a16="http://schemas.microsoft.com/office/drawing/2014/main" id="{C2D32431-760D-C84E-8B09-2C214FF2B238}"/>
+              </a:ext>
+            </a:extLst>
+          </p:cNvPr>
+          <p:cNvPicPr>
+            <a:picLocks noChangeAspect="1"/>
+          </p:cNvPicPr>
+          <p:nvPr/>
+        </p:nvPicPr>
+        <p:blipFill>
+          <a:blip r:embed="rId5">
+            <a:extLst>
+              <a:ext uri="{96DAC541-7B7A-43D3-8B79-37D633B846F1}">
+                <asvg:svgBlip xmlns:asvg="http://schemas.microsoft.com/office/drawing/2016/SVG/main" r:embed="rId6"/>
+              </a:ext>
+            </a:extLst>
+          </a:blip>
+          <a:stretch>
+            <a:fillRect/>
+          </a:stretch>
+        </p:blipFill>
+        <p:spPr>
+          <a:xfrm>
+            <a:off x="5299440" y="707714"/>
+            <a:ext cx="469900" cy="469900"/>
+          </a:xfrm>
+          <a:prstGeom prst="rect">
+            <a:avLst/>
+          </a:prstGeom>
+        </p:spPr>
+      </p:pic>
+      <p:sp>
+        <p:nvSpPr>
+          <p:cNvPr id="153" name="Rectangle 152">
+            <a:extLst>
+              <a:ext uri="{FF2B5EF4-FFF2-40B4-BE49-F238E27FC236}">
+                <a16:creationId xmlns:a16="http://schemas.microsoft.com/office/drawing/2014/main" id="{CB91CC3D-9B41-4F4E-A36E-8EBAE5690590}"/>
+              </a:ext>
+            </a:extLst>
+          </p:cNvPr>
+          <p:cNvSpPr/>
+          <p:nvPr/>
+        </p:nvSpPr>
+        <p:spPr>
+          <a:xfrm>
+            <a:off x="3745152" y="1325880"/>
+            <a:ext cx="3755449" cy="2103120"/>
+          </a:xfrm>
+          <a:prstGeom prst="rect">
+            <a:avLst/>
+          </a:prstGeom>
+          <a:noFill/>
+          <a:ln w="12700">
+            <a:solidFill>
+              <a:schemeClr val="tx1"/>
+            </a:solidFill>
+            <a:prstDash val="dash"/>
+          </a:ln>
+        </p:spPr>
+        <p:style>
+          <a:lnRef idx="2">
+            <a:schemeClr val="accent1">
+              <a:shade val="50000"/>
+            </a:schemeClr>
+          </a:lnRef>
+          <a:fillRef idx="1">
+            <a:schemeClr val="accent1"/>
+          </a:fillRef>
+          <a:effectRef idx="0">
+            <a:schemeClr val="accent1"/>
+          </a:effectRef>
+          <a:fontRef idx="minor">
+            <a:schemeClr val="lt1"/>
+          </a:fontRef>
+        </p:style>
+        <p:txBody>
+          <a:bodyPr rot="0" spcFirstLastPara="0" vertOverflow="overflow" horzOverflow="overflow" vert="horz" wrap="square" lIns="91440" tIns="0" rIns="91440" bIns="45720" numCol="1" spcCol="0" rtlCol="0" fromWordArt="0" anchor="t" anchorCtr="0" forceAA="0" compatLnSpc="1">
+            <a:prstTxWarp prst="textNoShape">
+              <a:avLst/>
+            </a:prstTxWarp>
+            <a:noAutofit/>
+          </a:bodyPr>
+          <a:lstStyle/>
+          <a:p>
+            <a:r>
+              <a:rPr lang="en-US" sz="1100" b="1" dirty="0">
+                <a:solidFill>
+                  <a:schemeClr val="tx1"/>
+                </a:solidFill>
+                <a:latin typeface="Arial" panose="020B0604020202020204" pitchFamily="34" charset="0"/>
+                <a:cs typeface="Arial" panose="020B0604020202020204" pitchFamily="34" charset="0"/>
+              </a:rPr>
+              <a:t>Home-region</a:t>
+            </a:r>
+          </a:p>
+        </p:txBody>
+      </p:sp>
+      <p:sp>
+        <p:nvSpPr>
+          <p:cNvPr id="195" name="Rectangle 194">
+            <a:extLst>
+              <a:ext uri="{FF2B5EF4-FFF2-40B4-BE49-F238E27FC236}">
+                <a16:creationId xmlns:a16="http://schemas.microsoft.com/office/drawing/2014/main" id="{F0CA800E-A50B-114F-87E0-3783ED123AB8}"/>
+              </a:ext>
+            </a:extLst>
+          </p:cNvPr>
+          <p:cNvSpPr/>
+          <p:nvPr/>
+        </p:nvSpPr>
+        <p:spPr>
+          <a:xfrm>
+            <a:off x="3950380" y="4173956"/>
+            <a:ext cx="3405688" cy="1927506"/>
+          </a:xfrm>
+          <a:prstGeom prst="rect">
+            <a:avLst/>
+          </a:prstGeom>
+          <a:noFill/>
+          <a:ln w="12700">
+            <a:solidFill>
+              <a:schemeClr val="tx1"/>
+            </a:solidFill>
+            <a:prstDash val="dash"/>
+          </a:ln>
+        </p:spPr>
+        <p:style>
+          <a:lnRef idx="2">
+            <a:schemeClr val="accent1">
+              <a:shade val="50000"/>
+            </a:schemeClr>
+          </a:lnRef>
+          <a:fillRef idx="1">
+            <a:schemeClr val="accent1"/>
+          </a:fillRef>
+          <a:effectRef idx="0">
+            <a:schemeClr val="accent1"/>
+          </a:effectRef>
+          <a:fontRef idx="minor">
+            <a:schemeClr val="lt1"/>
+          </a:fontRef>
+        </p:style>
+        <p:txBody>
+          <a:bodyPr rot="0" spcFirstLastPara="0" vertOverflow="overflow" horzOverflow="overflow" vert="horz" wrap="square" lIns="91440" tIns="91440" rIns="91440" bIns="45720" numCol="1" spcCol="0" rtlCol="0" fromWordArt="0" anchor="t" anchorCtr="0" forceAA="0" compatLnSpc="1">
+            <a:prstTxWarp prst="textNoShape">
+              <a:avLst/>
+            </a:prstTxWarp>
+            <a:noAutofit/>
+          </a:bodyPr>
+          <a:lstStyle/>
+          <a:p>
+            <a:pPr algn="ctr"/>
+            <a:endParaRPr lang="en-US" sz="1400" dirty="0">
+              <a:solidFill>
+                <a:srgbClr val="5A6B86"/>
+              </a:solidFill>
+              <a:latin typeface="Arial" panose="020B0604020202020204" pitchFamily="34" charset="0"/>
+              <a:cs typeface="Arial" panose="020B0604020202020204" pitchFamily="34" charset="0"/>
+            </a:endParaRPr>
+          </a:p>
+        </p:txBody>
+      </p:sp>
+      <p:sp>
+        <p:nvSpPr>
+          <p:cNvPr id="226" name="Oval 225">
+            <a:extLst>
+              <a:ext uri="{FF2B5EF4-FFF2-40B4-BE49-F238E27FC236}">
+                <a16:creationId xmlns:a16="http://schemas.microsoft.com/office/drawing/2014/main" id="{B075B0CF-8F6A-3947-BD02-50EB6DA85CEE}"/>
+              </a:ext>
+            </a:extLst>
+          </p:cNvPr>
+          <p:cNvSpPr/>
+          <p:nvPr/>
+        </p:nvSpPr>
+        <p:spPr>
+          <a:xfrm>
+            <a:off x="3657416" y="447400"/>
+            <a:ext cx="253435" cy="212902"/>
+          </a:xfrm>
+          <a:prstGeom prst="ellipse">
+            <a:avLst/>
+          </a:prstGeom>
+          <a:solidFill>
+            <a:schemeClr val="tx1"/>
+          </a:solidFill>
+          <a:ln>
+            <a:solidFill>
+              <a:schemeClr val="tx1"/>
+            </a:solidFill>
+          </a:ln>
+        </p:spPr>
+        <p:style>
+          <a:lnRef idx="2">
+            <a:schemeClr val="accent1">
+              <a:shade val="50000"/>
+            </a:schemeClr>
+          </a:lnRef>
+          <a:fillRef idx="1">
+            <a:schemeClr val="accent1"/>
+          </a:fillRef>
+          <a:effectRef idx="0">
+            <a:schemeClr val="accent1"/>
+          </a:effectRef>
+          <a:fontRef idx="minor">
+            <a:schemeClr val="lt1"/>
+          </a:fontRef>
+        </p:style>
+        <p:txBody>
+          <a:bodyPr lIns="0" tIns="0" rIns="0" bIns="0" rtlCol="0" anchor="ctr"/>
+          <a:lstStyle/>
+          <a:p>
+            <a:pPr algn="ctr"/>
+            <a:r>
+              <a:rPr lang="en-US" sz="800" dirty="0">
+                <a:latin typeface="Arial" panose="020B0604020202020204" pitchFamily="34" charset="0"/>
+                <a:cs typeface="Arial" panose="020B0604020202020204" pitchFamily="34" charset="0"/>
+              </a:rPr>
+              <a:t>1.0</a:t>
+            </a:r>
+          </a:p>
+        </p:txBody>
+      </p:sp>
+      <p:sp>
+        <p:nvSpPr>
+          <p:cNvPr id="228" name="Oval 227">
+            <a:extLst>
+              <a:ext uri="{FF2B5EF4-FFF2-40B4-BE49-F238E27FC236}">
+                <a16:creationId xmlns:a16="http://schemas.microsoft.com/office/drawing/2014/main" id="{2825B996-8DA9-604E-ADB8-7AADC93D3485}"/>
+              </a:ext>
+            </a:extLst>
+          </p:cNvPr>
+          <p:cNvSpPr/>
+          <p:nvPr/>
+        </p:nvSpPr>
+        <p:spPr>
+          <a:xfrm>
+            <a:off x="5114682" y="1537361"/>
+            <a:ext cx="253435" cy="212902"/>
+          </a:xfrm>
+          <a:prstGeom prst="ellipse">
+            <a:avLst/>
+          </a:prstGeom>
+          <a:solidFill>
+            <a:schemeClr val="tx1"/>
+          </a:solidFill>
+          <a:ln>
+            <a:solidFill>
+              <a:schemeClr val="tx1"/>
+            </a:solidFill>
+          </a:ln>
+        </p:spPr>
+        <p:style>
+          <a:lnRef idx="2">
+            <a:schemeClr val="accent1">
+              <a:shade val="50000"/>
+            </a:schemeClr>
+          </a:lnRef>
+          <a:fillRef idx="1">
+            <a:schemeClr val="accent1"/>
+          </a:fillRef>
+          <a:effectRef idx="0">
+            <a:schemeClr val="accent1"/>
+          </a:effectRef>
+          <a:fontRef idx="minor">
+            <a:schemeClr val="lt1"/>
+          </a:fontRef>
+        </p:style>
+        <p:txBody>
+          <a:bodyPr lIns="0" tIns="0" rIns="0" bIns="0" rtlCol="0" anchor="ctr"/>
+          <a:lstStyle/>
+          <a:p>
+            <a:pPr algn="ctr"/>
+            <a:r>
+              <a:rPr lang="en-US" sz="800" dirty="0">
+                <a:latin typeface="Arial" panose="020B0604020202020204" pitchFamily="34" charset="0"/>
+                <a:cs typeface="Arial" panose="020B0604020202020204" pitchFamily="34" charset="0"/>
+              </a:rPr>
+              <a:t>1.1</a:t>
+            </a:r>
+          </a:p>
+        </p:txBody>
+      </p:sp>
+      <p:sp>
+        <p:nvSpPr>
+          <p:cNvPr id="229" name="Oval 228">
+            <a:extLst>
+              <a:ext uri="{FF2B5EF4-FFF2-40B4-BE49-F238E27FC236}">
+                <a16:creationId xmlns:a16="http://schemas.microsoft.com/office/drawing/2014/main" id="{859652C7-00A9-F34A-9655-67677985A48F}"/>
+              </a:ext>
+            </a:extLst>
+          </p:cNvPr>
+          <p:cNvSpPr/>
+          <p:nvPr/>
+        </p:nvSpPr>
+        <p:spPr>
+          <a:xfrm>
+            <a:off x="5109260" y="794007"/>
+            <a:ext cx="253435" cy="212902"/>
+          </a:xfrm>
+          <a:prstGeom prst="ellipse">
+            <a:avLst/>
+          </a:prstGeom>
+          <a:solidFill>
+            <a:schemeClr val="tx1"/>
+          </a:solidFill>
+          <a:ln>
+            <a:solidFill>
+              <a:schemeClr val="tx1"/>
+            </a:solidFill>
+          </a:ln>
+        </p:spPr>
+        <p:style>
+          <a:lnRef idx="2">
+            <a:schemeClr val="accent1">
+              <a:shade val="50000"/>
+            </a:schemeClr>
+          </a:lnRef>
+          <a:fillRef idx="1">
+            <a:schemeClr val="accent1"/>
+          </a:fillRef>
+          <a:effectRef idx="0">
+            <a:schemeClr val="accent1"/>
+          </a:effectRef>
+          <a:fontRef idx="minor">
+            <a:schemeClr val="lt1"/>
+          </a:fontRef>
+        </p:style>
+        <p:txBody>
+          <a:bodyPr lIns="0" tIns="0" rIns="0" bIns="0" rtlCol="0" anchor="ctr"/>
+          <a:lstStyle/>
+          <a:p>
+            <a:pPr algn="ctr"/>
+            <a:r>
+              <a:rPr lang="en-US" sz="800" dirty="0">
+                <a:latin typeface="Arial" panose="020B0604020202020204" pitchFamily="34" charset="0"/>
+                <a:cs typeface="Arial" panose="020B0604020202020204" pitchFamily="34" charset="0"/>
+              </a:rPr>
+              <a:t>1.3</a:t>
+            </a:r>
+          </a:p>
+        </p:txBody>
+      </p:sp>
+      <p:sp>
+        <p:nvSpPr>
+          <p:cNvPr id="230" name="Oval 229">
+            <a:extLst>
+              <a:ext uri="{FF2B5EF4-FFF2-40B4-BE49-F238E27FC236}">
+                <a16:creationId xmlns:a16="http://schemas.microsoft.com/office/drawing/2014/main" id="{A8B92BA9-A7C6-BB4E-B68F-9B0ADFBA3120}"/>
+              </a:ext>
+            </a:extLst>
+          </p:cNvPr>
+          <p:cNvSpPr/>
+          <p:nvPr/>
+        </p:nvSpPr>
+        <p:spPr>
+          <a:xfrm>
+            <a:off x="5073263" y="2579654"/>
+            <a:ext cx="253435" cy="212902"/>
+          </a:xfrm>
+          <a:prstGeom prst="ellipse">
+            <a:avLst/>
+          </a:prstGeom>
+          <a:solidFill>
+            <a:schemeClr val="tx1"/>
+          </a:solidFill>
+          <a:ln>
+            <a:solidFill>
+              <a:schemeClr val="tx1"/>
+            </a:solidFill>
+          </a:ln>
+        </p:spPr>
+        <p:style>
+          <a:lnRef idx="2">
+            <a:schemeClr val="accent1">
+              <a:shade val="50000"/>
+            </a:schemeClr>
+          </a:lnRef>
+          <a:fillRef idx="1">
+            <a:schemeClr val="accent1"/>
+          </a:fillRef>
+          <a:effectRef idx="0">
+            <a:schemeClr val="accent1"/>
+          </a:effectRef>
+          <a:fontRef idx="minor">
+            <a:schemeClr val="lt1"/>
+          </a:fontRef>
+        </p:style>
+        <p:txBody>
+          <a:bodyPr lIns="0" tIns="0" rIns="0" bIns="0" rtlCol="0" anchor="ctr"/>
+          <a:lstStyle/>
+          <a:p>
+            <a:pPr algn="ctr"/>
+            <a:r>
+              <a:rPr lang="en-US" sz="800" dirty="0">
+                <a:latin typeface="Arial" panose="020B0604020202020204" pitchFamily="34" charset="0"/>
+                <a:cs typeface="Arial" panose="020B0604020202020204" pitchFamily="34" charset="0"/>
+              </a:rPr>
+              <a:t>1.2</a:t>
+            </a:r>
+          </a:p>
+        </p:txBody>
+      </p:sp>
+      <p:sp>
+        <p:nvSpPr>
+          <p:cNvPr id="232" name="Oval 231">
+            <a:extLst>
+              <a:ext uri="{FF2B5EF4-FFF2-40B4-BE49-F238E27FC236}">
+                <a16:creationId xmlns:a16="http://schemas.microsoft.com/office/drawing/2014/main" id="{9BABBBA8-4173-384F-B7CD-669D9E9EFCCE}"/>
+              </a:ext>
+            </a:extLst>
+          </p:cNvPr>
+          <p:cNvSpPr/>
+          <p:nvPr/>
+        </p:nvSpPr>
+        <p:spPr>
+          <a:xfrm>
+            <a:off x="3867084" y="3652226"/>
+            <a:ext cx="253435" cy="212902"/>
+          </a:xfrm>
+          <a:prstGeom prst="ellipse">
+            <a:avLst/>
+          </a:prstGeom>
+          <a:solidFill>
+            <a:schemeClr val="tx1"/>
+          </a:solidFill>
+          <a:ln>
+            <a:solidFill>
+              <a:schemeClr val="tx1"/>
+            </a:solidFill>
+          </a:ln>
+        </p:spPr>
+        <p:style>
+          <a:lnRef idx="2">
+            <a:schemeClr val="accent1">
+              <a:shade val="50000"/>
+            </a:schemeClr>
+          </a:lnRef>
+          <a:fillRef idx="1">
+            <a:schemeClr val="accent1"/>
+          </a:fillRef>
+          <a:effectRef idx="0">
+            <a:schemeClr val="accent1"/>
+          </a:effectRef>
+          <a:fontRef idx="minor">
+            <a:schemeClr val="lt1"/>
+          </a:fontRef>
+        </p:style>
+        <p:txBody>
+          <a:bodyPr lIns="0" tIns="0" rIns="0" bIns="0" rtlCol="0" anchor="ctr"/>
+          <a:lstStyle/>
+          <a:p>
+            <a:pPr algn="ctr"/>
+            <a:r>
+              <a:rPr lang="en-US" sz="800" dirty="0">
+                <a:latin typeface="Arial" panose="020B0604020202020204" pitchFamily="34" charset="0"/>
+                <a:cs typeface="Arial" panose="020B0604020202020204" pitchFamily="34" charset="0"/>
+              </a:rPr>
+              <a:t>2.0</a:t>
+            </a:r>
+          </a:p>
+        </p:txBody>
+      </p:sp>
+      <p:pic>
+        <p:nvPicPr>
+          <p:cNvPr id="99" name="Graphic 6">
+            <a:extLst>
+              <a:ext uri="{FF2B5EF4-FFF2-40B4-BE49-F238E27FC236}">
+                <a16:creationId xmlns:a16="http://schemas.microsoft.com/office/drawing/2014/main" id="{DA04FC19-10A0-7F4E-9578-DD32A7FBE107}"/>
+              </a:ext>
+            </a:extLst>
+          </p:cNvPr>
+          <p:cNvPicPr>
+            <a:picLocks noChangeAspect="1" noChangeArrowheads="1"/>
+          </p:cNvPicPr>
+          <p:nvPr/>
+        </p:nvPicPr>
+        <p:blipFill>
+          <a:blip r:embed="rId7">
+            <a:extLst>
+              <a:ext uri="{28A0092B-C50C-407E-A947-70E740481C1C}">
+                <a14:useLocalDpi xmlns:a14="http://schemas.microsoft.com/office/drawing/2010/main" val="0"/>
+              </a:ext>
+            </a:extLst>
+          </a:blip>
+          <a:srcRect/>
+          <a:stretch>
+            <a:fillRect/>
+          </a:stretch>
+        </p:blipFill>
+        <p:spPr bwMode="auto">
+          <a:xfrm>
+            <a:off x="6702665" y="1573690"/>
+            <a:ext cx="457200" cy="457200"/>
+          </a:xfrm>
+          <a:prstGeom prst="rect">
+            <a:avLst/>
+          </a:prstGeom>
+          <a:noFill/>
+          <a:ln>
+            <a:noFill/>
+          </a:ln>
+          <a:extLst>
+            <a:ext uri="{909E8E84-426E-40DD-AFC4-6F175D3DCCD1}">
+              <a14:hiddenFill xmlns:a14="http://schemas.microsoft.com/office/drawing/2010/main">
+                <a:solidFill>
+                  <a:srgbClr val="FFFFFF"/>
+                </a:solidFill>
+              </a14:hiddenFill>
+            </a:ext>
+            <a:ext uri="{91240B29-F687-4F45-9708-019B960494DF}">
+              <a14:hiddenLine xmlns:a14="http://schemas.microsoft.com/office/drawing/2010/main" w="9525">
+                <a:solidFill>
+                  <a:srgbClr val="000000"/>
+                </a:solidFill>
+                <a:miter lim="800000"/>
+                <a:headEnd/>
+                <a:tailEnd/>
+              </a14:hiddenLine>
+            </a:ext>
+          </a:extLst>
+        </p:spPr>
+      </p:pic>
+      <p:sp>
+        <p:nvSpPr>
+          <p:cNvPr id="100" name="TextBox 99">
+            <a:extLst>
+              <a:ext uri="{FF2B5EF4-FFF2-40B4-BE49-F238E27FC236}">
+                <a16:creationId xmlns:a16="http://schemas.microsoft.com/office/drawing/2014/main" id="{965990C3-D56B-694C-A33E-A52CD9811FE7}"/>
+              </a:ext>
+            </a:extLst>
+          </p:cNvPr>
+          <p:cNvSpPr txBox="1"/>
+          <p:nvPr/>
+        </p:nvSpPr>
+        <p:spPr>
+          <a:xfrm>
+            <a:off x="6372524" y="2021243"/>
+            <a:ext cx="1128077" cy="430887"/>
+          </a:xfrm>
+          <a:prstGeom prst="rect">
+            <a:avLst/>
+          </a:prstGeom>
+          <a:noFill/>
+        </p:spPr>
+        <p:txBody>
+          <a:bodyPr wrap="square" rtlCol="0">
+            <a:spAutoFit/>
+          </a:bodyPr>
+          <a:lstStyle/>
+          <a:p>
+            <a:pPr algn="ctr"/>
+            <a:r>
+              <a:rPr lang="en-US" sz="1100" dirty="0">
+                <a:latin typeface="Arial" panose="020B0604020202020204" pitchFamily="34" charset="0"/>
+                <a:cs typeface="Arial" panose="020B0604020202020204" pitchFamily="34" charset="0"/>
+              </a:rPr>
+              <a:t>AWS Organizations</a:t>
+            </a:r>
+          </a:p>
+        </p:txBody>
+      </p:sp>
+      <p:pic>
+        <p:nvPicPr>
+          <p:cNvPr id="47" name="Graphic 51">
+            <a:extLst>
+              <a:ext uri="{FF2B5EF4-FFF2-40B4-BE49-F238E27FC236}">
+                <a16:creationId xmlns:a16="http://schemas.microsoft.com/office/drawing/2014/main" id="{090942E6-08A5-3740-86D7-71BB96B31228}"/>
+              </a:ext>
+            </a:extLst>
+          </p:cNvPr>
+          <p:cNvPicPr>
+            <a:picLocks noChangeAspect="1" noChangeArrowheads="1"/>
+          </p:cNvPicPr>
+          <p:nvPr/>
+        </p:nvPicPr>
+        <p:blipFill>
+          <a:blip r:embed="rId8">
+            <a:extLst>
+              <a:ext uri="{28A0092B-C50C-407E-A947-70E740481C1C}">
+                <a14:useLocalDpi xmlns:a14="http://schemas.microsoft.com/office/drawing/2010/main" val="0"/>
+              </a:ext>
+            </a:extLst>
+          </a:blip>
+          <a:srcRect/>
+          <a:stretch>
+            <a:fillRect/>
+          </a:stretch>
+        </p:blipFill>
+        <p:spPr bwMode="auto">
+          <a:xfrm>
+            <a:off x="5144933" y="5580619"/>
+            <a:ext cx="457200" cy="457200"/>
+          </a:xfrm>
+          <a:prstGeom prst="rect">
+            <a:avLst/>
+          </a:prstGeom>
+          <a:noFill/>
+          <a:ln>
+            <a:noFill/>
+          </a:ln>
+          <a:extLst>
+            <a:ext uri="{909E8E84-426E-40DD-AFC4-6F175D3DCCD1}">
+              <a14:hiddenFill xmlns:a14="http://schemas.microsoft.com/office/drawing/2010/main">
+                <a:solidFill>
+                  <a:srgbClr val="FFFFFF"/>
+                </a:solidFill>
+              </a14:hiddenFill>
+            </a:ext>
+            <a:ext uri="{91240B29-F687-4F45-9708-019B960494DF}">
+              <a14:hiddenLine xmlns:a14="http://schemas.microsoft.com/office/drawing/2010/main" w="9525">
+                <a:solidFill>
+                  <a:srgbClr val="000000"/>
+                </a:solidFill>
+                <a:miter lim="800000"/>
+                <a:headEnd/>
+                <a:tailEnd/>
+              </a14:hiddenLine>
+            </a:ext>
+          </a:extLst>
+        </p:spPr>
+      </p:pic>
+      <p:pic>
+        <p:nvPicPr>
+          <p:cNvPr id="49" name="Graphic 48">
+            <a:extLst>
+              <a:ext uri="{FF2B5EF4-FFF2-40B4-BE49-F238E27FC236}">
+                <a16:creationId xmlns:a16="http://schemas.microsoft.com/office/drawing/2014/main" id="{9CD15E8B-FAD8-6544-A665-21ABB1F4D07E}"/>
+              </a:ext>
+            </a:extLst>
+          </p:cNvPr>
+          <p:cNvPicPr>
+            <a:picLocks noChangeAspect="1"/>
+          </p:cNvPicPr>
+          <p:nvPr/>
+        </p:nvPicPr>
+        <p:blipFill>
+          <a:blip r:embed="rId9">
+            <a:extLst>
+              <a:ext uri="{96DAC541-7B7A-43D3-8B79-37D633B846F1}">
+                <asvg:svgBlip xmlns:asvg="http://schemas.microsoft.com/office/drawing/2016/SVG/main" r:embed="rId10"/>
+              </a:ext>
+            </a:extLst>
+          </a:blip>
+          <a:stretch>
+            <a:fillRect/>
+          </a:stretch>
+        </p:blipFill>
+        <p:spPr>
+          <a:xfrm>
+            <a:off x="5166375" y="4567451"/>
+            <a:ext cx="457200" cy="457200"/>
+          </a:xfrm>
+          <a:prstGeom prst="rect">
+            <a:avLst/>
+          </a:prstGeom>
+        </p:spPr>
+      </p:pic>
+      <p:pic>
+        <p:nvPicPr>
+          <p:cNvPr id="50" name="Graphic 8">
+            <a:extLst>
+              <a:ext uri="{FF2B5EF4-FFF2-40B4-BE49-F238E27FC236}">
+                <a16:creationId xmlns:a16="http://schemas.microsoft.com/office/drawing/2014/main" id="{5E95C931-EFB9-E54F-95CC-416F0092AF8E}"/>
+              </a:ext>
+            </a:extLst>
+          </p:cNvPr>
+          <p:cNvPicPr>
+            <a:picLocks noChangeAspect="1" noChangeArrowheads="1"/>
+          </p:cNvPicPr>
+          <p:nvPr/>
+        </p:nvPicPr>
+        <p:blipFill>
+          <a:blip r:embed="rId11">
+            <a:extLst>
+              <a:ext uri="{28A0092B-C50C-407E-A947-70E740481C1C}">
+                <a14:useLocalDpi xmlns:a14="http://schemas.microsoft.com/office/drawing/2010/main" val="0"/>
+              </a:ext>
+            </a:extLst>
+          </a:blip>
+          <a:srcRect/>
+          <a:stretch>
+            <a:fillRect/>
+          </a:stretch>
+        </p:blipFill>
+        <p:spPr bwMode="auto">
+          <a:xfrm>
+            <a:off x="5682331" y="4573040"/>
+            <a:ext cx="457200" cy="457200"/>
+          </a:xfrm>
+          <a:prstGeom prst="rect">
+            <a:avLst/>
+          </a:prstGeom>
+          <a:noFill/>
+          <a:ln>
+            <a:noFill/>
+          </a:ln>
+          <a:extLst>
+            <a:ext uri="{909E8E84-426E-40DD-AFC4-6F175D3DCCD1}">
+              <a14:hiddenFill xmlns:a14="http://schemas.microsoft.com/office/drawing/2010/main">
+                <a:solidFill>
+                  <a:srgbClr val="FFFFFF"/>
+                </a:solidFill>
+              </a14:hiddenFill>
+            </a:ext>
+            <a:ext uri="{91240B29-F687-4F45-9708-019B960494DF}">
+              <a14:hiddenLine xmlns:a14="http://schemas.microsoft.com/office/drawing/2010/main" w="9525">
+                <a:solidFill>
+                  <a:srgbClr val="000000"/>
+                </a:solidFill>
+                <a:miter lim="800000"/>
+                <a:headEnd/>
+                <a:tailEnd/>
+              </a14:hiddenLine>
+            </a:ext>
+          </a:extLst>
+        </p:spPr>
+      </p:pic>
+      <p:pic>
+        <p:nvPicPr>
+          <p:cNvPr id="51" name="Graphic 21">
+            <a:extLst>
+              <a:ext uri="{FF2B5EF4-FFF2-40B4-BE49-F238E27FC236}">
+                <a16:creationId xmlns:a16="http://schemas.microsoft.com/office/drawing/2014/main" id="{71ADC633-1C97-6D44-A1E5-D15D18EA7756}"/>
+              </a:ext>
+            </a:extLst>
+          </p:cNvPr>
+          <p:cNvPicPr>
+            <a:picLocks noChangeAspect="1" noChangeArrowheads="1"/>
+          </p:cNvPicPr>
+          <p:nvPr/>
+        </p:nvPicPr>
+        <p:blipFill>
+          <a:blip r:embed="rId12">
+            <a:extLst>
+              <a:ext uri="{28A0092B-C50C-407E-A947-70E740481C1C}">
+                <a14:useLocalDpi xmlns:a14="http://schemas.microsoft.com/office/drawing/2010/main" val="0"/>
+              </a:ext>
+            </a:extLst>
+          </a:blip>
+          <a:srcRect/>
+          <a:stretch>
+            <a:fillRect/>
+          </a:stretch>
+        </p:blipFill>
+        <p:spPr bwMode="auto">
+          <a:xfrm>
+            <a:off x="5424624" y="5091203"/>
+            <a:ext cx="457200" cy="457200"/>
+          </a:xfrm>
+          <a:prstGeom prst="rect">
+            <a:avLst/>
+          </a:prstGeom>
+          <a:noFill/>
+          <a:ln>
+            <a:noFill/>
+          </a:ln>
+          <a:extLst>
+            <a:ext uri="{909E8E84-426E-40DD-AFC4-6F175D3DCCD1}">
+              <a14:hiddenFill xmlns:a14="http://schemas.microsoft.com/office/drawing/2010/main">
+                <a:solidFill>
+                  <a:srgbClr val="FFFFFF"/>
+                </a:solidFill>
+              </a14:hiddenFill>
+            </a:ext>
+            <a:ext uri="{91240B29-F687-4F45-9708-019B960494DF}">
+              <a14:hiddenLine xmlns:a14="http://schemas.microsoft.com/office/drawing/2010/main" w="9525">
+                <a:solidFill>
+                  <a:srgbClr val="000000"/>
+                </a:solidFill>
+                <a:miter lim="800000"/>
+                <a:headEnd/>
+                <a:tailEnd/>
+              </a14:hiddenLine>
+            </a:ext>
+          </a:extLst>
+        </p:spPr>
+      </p:pic>
+      <p:pic>
+        <p:nvPicPr>
+          <p:cNvPr id="52" name="Graphic 6">
+            <a:extLst>
+              <a:ext uri="{FF2B5EF4-FFF2-40B4-BE49-F238E27FC236}">
+                <a16:creationId xmlns:a16="http://schemas.microsoft.com/office/drawing/2014/main" id="{03996523-FC1E-4F47-893D-1D06538CB29B}"/>
+              </a:ext>
+            </a:extLst>
+          </p:cNvPr>
+          <p:cNvPicPr>
+            <a:picLocks noChangeAspect="1" noChangeArrowheads="1"/>
+          </p:cNvPicPr>
+          <p:nvPr/>
+        </p:nvPicPr>
+        <p:blipFill>
+          <a:blip r:embed="rId13">
+            <a:extLst>
+              <a:ext uri="{28A0092B-C50C-407E-A947-70E740481C1C}">
+                <a14:useLocalDpi xmlns:a14="http://schemas.microsoft.com/office/drawing/2010/main" val="0"/>
+              </a:ext>
+            </a:extLst>
+          </a:blip>
+          <a:srcRect/>
+          <a:stretch>
+            <a:fillRect/>
+          </a:stretch>
+        </p:blipFill>
+        <p:spPr bwMode="auto">
+          <a:xfrm>
+            <a:off x="5959191" y="5085417"/>
+            <a:ext cx="457200" cy="457200"/>
+          </a:xfrm>
+          <a:prstGeom prst="rect">
+            <a:avLst/>
+          </a:prstGeom>
+          <a:noFill/>
+          <a:ln>
+            <a:noFill/>
+          </a:ln>
+          <a:extLst>
+            <a:ext uri="{909E8E84-426E-40DD-AFC4-6F175D3DCCD1}">
+              <a14:hiddenFill xmlns:a14="http://schemas.microsoft.com/office/drawing/2010/main">
+                <a:solidFill>
+                  <a:srgbClr val="FFFFFF"/>
+                </a:solidFill>
+              </a14:hiddenFill>
+            </a:ext>
+            <a:ext uri="{91240B29-F687-4F45-9708-019B960494DF}">
+              <a14:hiddenLine xmlns:a14="http://schemas.microsoft.com/office/drawing/2010/main" w="9525">
+                <a:solidFill>
+                  <a:srgbClr val="000000"/>
+                </a:solidFill>
+                <a:miter lim="800000"/>
+                <a:headEnd/>
+                <a:tailEnd/>
+              </a14:hiddenLine>
+            </a:ext>
+          </a:extLst>
+        </p:spPr>
+      </p:pic>
+      <p:pic>
+        <p:nvPicPr>
+          <p:cNvPr id="53" name="Graphic 19">
+            <a:extLst>
+              <a:ext uri="{FF2B5EF4-FFF2-40B4-BE49-F238E27FC236}">
+                <a16:creationId xmlns:a16="http://schemas.microsoft.com/office/drawing/2014/main" id="{B66A72F4-EB18-B149-9A19-2DC057650860}"/>
+              </a:ext>
+            </a:extLst>
+          </p:cNvPr>
+          <p:cNvPicPr>
+            <a:picLocks noChangeAspect="1" noChangeArrowheads="1"/>
+          </p:cNvPicPr>
+          <p:nvPr/>
+        </p:nvPicPr>
+        <p:blipFill>
+          <a:blip r:embed="rId14">
+            <a:extLst>
+              <a:ext uri="{28A0092B-C50C-407E-A947-70E740481C1C}">
+                <a14:useLocalDpi xmlns:a14="http://schemas.microsoft.com/office/drawing/2010/main" val="0"/>
+              </a:ext>
+            </a:extLst>
+          </a:blip>
+          <a:srcRect/>
+          <a:stretch>
+            <a:fillRect/>
+          </a:stretch>
+        </p:blipFill>
+        <p:spPr bwMode="auto">
+          <a:xfrm>
+            <a:off x="4903138" y="5085417"/>
+            <a:ext cx="457200" cy="457200"/>
+          </a:xfrm>
+          <a:prstGeom prst="rect">
+            <a:avLst/>
+          </a:prstGeom>
+          <a:noFill/>
+          <a:ln>
+            <a:noFill/>
+          </a:ln>
+          <a:extLst>
+            <a:ext uri="{909E8E84-426E-40DD-AFC4-6F175D3DCCD1}">
+              <a14:hiddenFill xmlns:a14="http://schemas.microsoft.com/office/drawing/2010/main">
+                <a:solidFill>
+                  <a:srgbClr val="FFFFFF"/>
+                </a:solidFill>
+              </a14:hiddenFill>
+            </a:ext>
+            <a:ext uri="{91240B29-F687-4F45-9708-019B960494DF}">
+              <a14:hiddenLine xmlns:a14="http://schemas.microsoft.com/office/drawing/2010/main" w="9525">
+                <a:solidFill>
+                  <a:srgbClr val="000000"/>
+                </a:solidFill>
+                <a:miter lim="800000"/>
+                <a:headEnd/>
+                <a:tailEnd/>
+              </a14:hiddenLine>
+            </a:ext>
+          </a:extLst>
+        </p:spPr>
+      </p:pic>
+      <p:pic>
+        <p:nvPicPr>
+          <p:cNvPr id="54" name="Graphic 22">
+            <a:extLst>
+              <a:ext uri="{FF2B5EF4-FFF2-40B4-BE49-F238E27FC236}">
+                <a16:creationId xmlns:a16="http://schemas.microsoft.com/office/drawing/2014/main" id="{90F14319-BB18-164C-B41D-D8E2F87690C6}"/>
+              </a:ext>
+            </a:extLst>
+          </p:cNvPr>
+          <p:cNvPicPr>
+            <a:picLocks noChangeAspect="1" noChangeArrowheads="1"/>
+          </p:cNvPicPr>
+          <p:nvPr/>
+        </p:nvPicPr>
+        <p:blipFill>
+          <a:blip r:embed="rId15">
+            <a:extLst>
+              <a:ext uri="{96DAC541-7B7A-43D3-8B79-37D633B846F1}">
+                <asvg:svgBlip xmlns:asvg="http://schemas.microsoft.com/office/drawing/2016/SVG/main" r:embed="rId16"/>
+              </a:ext>
+            </a:extLst>
+          </a:blip>
+          <a:srcRect/>
+          <a:stretch/>
+        </p:blipFill>
+        <p:spPr bwMode="auto">
+          <a:xfrm>
+            <a:off x="5718894" y="5589997"/>
+            <a:ext cx="457200" cy="457200"/>
+          </a:xfrm>
+          <a:prstGeom prst="rect">
+            <a:avLst/>
+          </a:prstGeom>
+          <a:noFill/>
+          <a:ln>
+            <a:noFill/>
+          </a:ln>
+          <a:extLst>
+            <a:ext uri="{909E8E84-426E-40DD-AFC4-6F175D3DCCD1}">
+              <a14:hiddenFill xmlns:a14="http://schemas.microsoft.com/office/drawing/2010/main">
+                <a:solidFill>
+                  <a:srgbClr val="FFFFFF"/>
+                </a:solidFill>
+              </a14:hiddenFill>
+            </a:ext>
+            <a:ext uri="{91240B29-F687-4F45-9708-019B960494DF}">
+              <a14:hiddenLine xmlns:a14="http://schemas.microsoft.com/office/drawing/2010/main" w="9525">
+                <a:solidFill>
+                  <a:srgbClr val="000000"/>
+                </a:solidFill>
+                <a:miter lim="800000"/>
+                <a:headEnd/>
+                <a:tailEnd/>
+              </a14:hiddenLine>
+            </a:ext>
+          </a:extLst>
+        </p:spPr>
+      </p:pic>
+      <p:sp>
+        <p:nvSpPr>
+          <p:cNvPr id="3" name="TextBox 2">
+            <a:extLst>
+              <a:ext uri="{FF2B5EF4-FFF2-40B4-BE49-F238E27FC236}">
+                <a16:creationId xmlns:a16="http://schemas.microsoft.com/office/drawing/2014/main" id="{4F4AF937-1129-344E-B773-04548F28B77F}"/>
+              </a:ext>
+            </a:extLst>
+          </p:cNvPr>
+          <p:cNvSpPr txBox="1"/>
+          <p:nvPr/>
+        </p:nvSpPr>
+        <p:spPr>
+          <a:xfrm>
+            <a:off x="5224499" y="4257742"/>
+            <a:ext cx="922047" cy="307777"/>
+          </a:xfrm>
+          <a:prstGeom prst="rect">
+            <a:avLst/>
+          </a:prstGeom>
+          <a:noFill/>
+        </p:spPr>
+        <p:txBody>
+          <a:bodyPr wrap="none" rtlCol="0">
+            <a:spAutoFit/>
+          </a:bodyPr>
+          <a:lstStyle/>
+          <a:p>
+            <a:r>
+              <a:rPr lang="en-US" sz="1400" b="1" dirty="0">
+                <a:latin typeface="Arial" panose="020B0604020202020204" pitchFamily="34" charset="0"/>
+                <a:cs typeface="Arial" panose="020B0604020202020204" pitchFamily="34" charset="0"/>
+              </a:rPr>
+              <a:t>Services</a:t>
+            </a:r>
+          </a:p>
+        </p:txBody>
+      </p:sp>
+      <p:sp>
+        <p:nvSpPr>
+          <p:cNvPr id="57" name="Oval 56">
+            <a:extLst>
+              <a:ext uri="{FF2B5EF4-FFF2-40B4-BE49-F238E27FC236}">
+                <a16:creationId xmlns:a16="http://schemas.microsoft.com/office/drawing/2014/main" id="{5F130A54-D7AE-9E4D-A240-F78C7AB8BBD1}"/>
+              </a:ext>
+            </a:extLst>
+          </p:cNvPr>
+          <p:cNvSpPr/>
+          <p:nvPr/>
+        </p:nvSpPr>
+        <p:spPr>
+          <a:xfrm>
+            <a:off x="3997111" y="4211387"/>
+            <a:ext cx="253435" cy="212902"/>
+          </a:xfrm>
+          <a:prstGeom prst="ellipse">
+            <a:avLst/>
+          </a:prstGeom>
+          <a:solidFill>
+            <a:schemeClr val="tx1"/>
+          </a:solidFill>
+          <a:ln>
+            <a:solidFill>
+              <a:schemeClr val="tx1"/>
+            </a:solidFill>
+          </a:ln>
+        </p:spPr>
+        <p:style>
+          <a:lnRef idx="2">
+            <a:schemeClr val="accent1">
+              <a:shade val="50000"/>
+            </a:schemeClr>
+          </a:lnRef>
+          <a:fillRef idx="1">
+            <a:schemeClr val="accent1"/>
+          </a:fillRef>
+          <a:effectRef idx="0">
+            <a:schemeClr val="accent1"/>
+          </a:effectRef>
+          <a:fontRef idx="minor">
+            <a:schemeClr val="lt1"/>
+          </a:fontRef>
+        </p:style>
+        <p:txBody>
+          <a:bodyPr lIns="0" tIns="0" rIns="0" bIns="0" rtlCol="0" anchor="ctr"/>
+          <a:lstStyle/>
+          <a:p>
+            <a:pPr algn="ctr"/>
+            <a:r>
+              <a:rPr lang="en-US" sz="800" dirty="0">
+                <a:latin typeface="Arial" panose="020B0604020202020204" pitchFamily="34" charset="0"/>
+                <a:cs typeface="Arial" panose="020B0604020202020204" pitchFamily="34" charset="0"/>
+              </a:rPr>
+              <a:t>2.1</a:t>
+            </a:r>
+          </a:p>
+        </p:txBody>
+      </p:sp>
+      <p:sp>
+        <p:nvSpPr>
+          <p:cNvPr id="59" name="Oval 58">
+            <a:extLst>
+              <a:ext uri="{FF2B5EF4-FFF2-40B4-BE49-F238E27FC236}">
+                <a16:creationId xmlns:a16="http://schemas.microsoft.com/office/drawing/2014/main" id="{7F1B2522-BB67-554B-BFD0-6C96EEA0E89A}"/>
+              </a:ext>
+            </a:extLst>
+          </p:cNvPr>
+          <p:cNvSpPr/>
+          <p:nvPr/>
+        </p:nvSpPr>
+        <p:spPr>
+          <a:xfrm>
+            <a:off x="6709059" y="1580084"/>
+            <a:ext cx="253435" cy="212902"/>
+          </a:xfrm>
+          <a:prstGeom prst="ellipse">
+            <a:avLst/>
+          </a:prstGeom>
+          <a:solidFill>
+            <a:schemeClr val="tx1"/>
+          </a:solidFill>
+          <a:ln>
+            <a:solidFill>
+              <a:schemeClr val="tx1"/>
+            </a:solidFill>
+          </a:ln>
+        </p:spPr>
+        <p:style>
+          <a:lnRef idx="2">
+            <a:schemeClr val="accent1">
+              <a:shade val="50000"/>
+            </a:schemeClr>
+          </a:lnRef>
+          <a:fillRef idx="1">
+            <a:schemeClr val="accent1"/>
+          </a:fillRef>
+          <a:effectRef idx="0">
+            <a:schemeClr val="accent1"/>
+          </a:effectRef>
+          <a:fontRef idx="minor">
+            <a:schemeClr val="lt1"/>
+          </a:fontRef>
+        </p:style>
+        <p:txBody>
+          <a:bodyPr lIns="0" tIns="0" rIns="0" bIns="0" rtlCol="0" anchor="ctr"/>
+          <a:lstStyle/>
+          <a:p>
+            <a:pPr algn="ctr"/>
+            <a:r>
+              <a:rPr lang="en-US" sz="800" dirty="0">
+                <a:latin typeface="Arial" panose="020B0604020202020204" pitchFamily="34" charset="0"/>
+                <a:cs typeface="Arial" panose="020B0604020202020204" pitchFamily="34" charset="0"/>
+              </a:rPr>
+              <a:t>1.4</a:t>
+            </a:r>
+          </a:p>
+        </p:txBody>
+      </p:sp>
+      <p:pic>
+        <p:nvPicPr>
+          <p:cNvPr id="37" name="Graphic 13">
+            <a:extLst>
+              <a:ext uri="{FF2B5EF4-FFF2-40B4-BE49-F238E27FC236}">
+                <a16:creationId xmlns:a16="http://schemas.microsoft.com/office/drawing/2014/main" id="{1C8986A3-EEE8-EC43-A681-FD4CCA224128}"/>
+              </a:ext>
+            </a:extLst>
+          </p:cNvPr>
+          <p:cNvPicPr>
+            <a:picLocks noChangeAspect="1" noChangeArrowheads="1"/>
+          </p:cNvPicPr>
+          <p:nvPr/>
+        </p:nvPicPr>
+        <p:blipFill>
+          <a:blip r:embed="rId17">
+            <a:extLst>
+              <a:ext uri="{28A0092B-C50C-407E-A947-70E740481C1C}">
+                <a14:useLocalDpi xmlns:a14="http://schemas.microsoft.com/office/drawing/2010/main" val="0"/>
+              </a:ext>
+            </a:extLst>
+          </a:blip>
+          <a:srcRect/>
+          <a:stretch>
+            <a:fillRect/>
+          </a:stretch>
+        </p:blipFill>
+        <p:spPr bwMode="auto">
+          <a:xfrm>
+            <a:off x="5338128" y="1565141"/>
+            <a:ext cx="457200" cy="457200"/>
+          </a:xfrm>
+          <a:prstGeom prst="rect">
+            <a:avLst/>
+          </a:prstGeom>
+          <a:noFill/>
+          <a:ln>
+            <a:noFill/>
+          </a:ln>
+          <a:extLst>
+            <a:ext uri="{909E8E84-426E-40DD-AFC4-6F175D3DCCD1}">
+              <a14:hiddenFill xmlns:a14="http://schemas.microsoft.com/office/drawing/2010/main">
+                <a:solidFill>
+                  <a:srgbClr val="FFFFFF"/>
+                </a:solidFill>
+              </a14:hiddenFill>
+            </a:ext>
+            <a:ext uri="{91240B29-F687-4F45-9708-019B960494DF}">
+              <a14:hiddenLine xmlns:a14="http://schemas.microsoft.com/office/drawing/2010/main" w="9525">
+                <a:solidFill>
+                  <a:srgbClr val="000000"/>
+                </a:solidFill>
+                <a:miter lim="800000"/>
+                <a:headEnd/>
+                <a:tailEnd/>
+              </a14:hiddenLine>
+            </a:ext>
+          </a:extLst>
+        </p:spPr>
+      </p:pic>
+      <p:pic>
+        <p:nvPicPr>
+          <p:cNvPr id="38" name="Graphic 7">
+            <a:extLst>
+              <a:ext uri="{FF2B5EF4-FFF2-40B4-BE49-F238E27FC236}">
+                <a16:creationId xmlns:a16="http://schemas.microsoft.com/office/drawing/2014/main" id="{B7DE7DE4-74E2-474A-97EC-1F6305054BDE}"/>
+              </a:ext>
+            </a:extLst>
+          </p:cNvPr>
+          <p:cNvPicPr>
+            <a:picLocks noChangeAspect="1" noChangeArrowheads="1"/>
+          </p:cNvPicPr>
+          <p:nvPr/>
+        </p:nvPicPr>
+        <p:blipFill>
+          <a:blip r:embed="rId18">
+            <a:extLst>
+              <a:ext uri="{28A0092B-C50C-407E-A947-70E740481C1C}">
+                <a14:useLocalDpi xmlns:a14="http://schemas.microsoft.com/office/drawing/2010/main" val="0"/>
+              </a:ext>
+            </a:extLst>
+          </a:blip>
+          <a:srcRect/>
+          <a:stretch>
+            <a:fillRect/>
+          </a:stretch>
+        </p:blipFill>
+        <p:spPr bwMode="auto">
+          <a:xfrm>
+            <a:off x="5341673" y="2546197"/>
+            <a:ext cx="457200" cy="457200"/>
+          </a:xfrm>
+          <a:prstGeom prst="rect">
+            <a:avLst/>
+          </a:prstGeom>
+          <a:noFill/>
+          <a:ln>
+            <a:noFill/>
+          </a:ln>
+          <a:extLst>
+            <a:ext uri="{909E8E84-426E-40DD-AFC4-6F175D3DCCD1}">
+              <a14:hiddenFill xmlns:a14="http://schemas.microsoft.com/office/drawing/2010/main">
+                <a:solidFill>
+                  <a:srgbClr val="FFFFFF"/>
+                </a:solidFill>
+              </a14:hiddenFill>
+            </a:ext>
+            <a:ext uri="{91240B29-F687-4F45-9708-019B960494DF}">
+              <a14:hiddenLine xmlns:a14="http://schemas.microsoft.com/office/drawing/2010/main" w="9525">
+                <a:solidFill>
+                  <a:srgbClr val="000000"/>
+                </a:solidFill>
+                <a:miter lim="800000"/>
+                <a:headEnd/>
+                <a:tailEnd/>
+              </a14:hiddenLine>
+            </a:ext>
+          </a:extLst>
+        </p:spPr>
+      </p:pic>
+      <p:cxnSp>
+        <p:nvCxnSpPr>
+          <p:cNvPr id="41" name="Straight Arrow Connector 40">
+            <a:extLst>
+              <a:ext uri="{FF2B5EF4-FFF2-40B4-BE49-F238E27FC236}">
+                <a16:creationId xmlns:a16="http://schemas.microsoft.com/office/drawing/2014/main" id="{CA7FD23D-D5F7-5340-839A-260CF0772E74}"/>
+              </a:ext>
+            </a:extLst>
+          </p:cNvPr>
+          <p:cNvCxnSpPr>
+            <a:cxnSpLocks/>
+            <a:stCxn id="140" idx="2"/>
+            <a:endCxn id="38" idx="0"/>
+          </p:cNvCxnSpPr>
+          <p:nvPr/>
+        </p:nvCxnSpPr>
+        <p:spPr>
+          <a:xfrm flipH="1">
+            <a:off x="5570273" y="2247497"/>
+            <a:ext cx="2170" cy="298700"/>
+          </a:xfrm>
+          <a:prstGeom prst="straightConnector1">
+            <a:avLst/>
+          </a:prstGeom>
+          <a:ln>
+            <a:tailEnd type="triangle"/>
+          </a:ln>
+        </p:spPr>
+        <p:style>
+          <a:lnRef idx="1">
+            <a:schemeClr val="dk1"/>
+          </a:lnRef>
+          <a:fillRef idx="0">
+            <a:schemeClr val="dk1"/>
+          </a:fillRef>
+          <a:effectRef idx="0">
+            <a:schemeClr val="dk1"/>
+          </a:effectRef>
+          <a:fontRef idx="minor">
+            <a:schemeClr val="tx1"/>
+          </a:fontRef>
+        </p:style>
+      </p:cxnSp>
+      <p:cxnSp>
+        <p:nvCxnSpPr>
+          <p:cNvPr id="46" name="Straight Arrow Connector 45">
+            <a:extLst>
+              <a:ext uri="{FF2B5EF4-FFF2-40B4-BE49-F238E27FC236}">
+                <a16:creationId xmlns:a16="http://schemas.microsoft.com/office/drawing/2014/main" id="{38EC7A71-26DE-C14A-8A08-859851F00910}"/>
+              </a:ext>
+            </a:extLst>
+          </p:cNvPr>
+          <p:cNvCxnSpPr>
+            <a:cxnSpLocks/>
+          </p:cNvCxnSpPr>
+          <p:nvPr/>
+        </p:nvCxnSpPr>
+        <p:spPr>
+          <a:xfrm flipV="1">
+            <a:off x="6080178" y="1802290"/>
+            <a:ext cx="457200" cy="1"/>
+          </a:xfrm>
+          <a:prstGeom prst="straightConnector1">
+            <a:avLst/>
+          </a:prstGeom>
+          <a:ln>
+            <a:tailEnd type="triangle"/>
+          </a:ln>
+        </p:spPr>
+        <p:style>
+          <a:lnRef idx="1">
+            <a:schemeClr val="dk1"/>
+          </a:lnRef>
+          <a:fillRef idx="0">
+            <a:schemeClr val="dk1"/>
+          </a:fillRef>
+          <a:effectRef idx="0">
+            <a:schemeClr val="dk1"/>
+          </a:effectRef>
+          <a:fontRef idx="minor">
+            <a:schemeClr val="tx1"/>
+          </a:fontRef>
+        </p:style>
+      </p:cxnSp>
+    </p:spTree>
+    <p:extLst>
+      <p:ext uri="{BB962C8B-B14F-4D97-AF65-F5344CB8AC3E}">
+        <p14:creationId xmlns:p14="http://schemas.microsoft.com/office/powerpoint/2010/main" val="969232986"/>
       </p:ext>
     </p:extLst>
   </p:cSld>
